--- a/Jour2/11 custom directives & components/11_custom directives.pptx
+++ b/Jour2/11 custom directives & components/11_custom directives.pptx
@@ -5,28 +5,30 @@
     <p:sldMasterId id="2147483648" r:id="rId1"/>
   </p:sldMasterIdLst>
   <p:notesMasterIdLst>
-    <p:notesMasterId r:id="rId18"/>
+    <p:notesMasterId r:id="rId20"/>
   </p:notesMasterIdLst>
   <p:handoutMasterIdLst>
-    <p:handoutMasterId r:id="rId19"/>
+    <p:handoutMasterId r:id="rId21"/>
   </p:handoutMasterIdLst>
   <p:sldIdLst>
     <p:sldId id="410" r:id="rId2"/>
     <p:sldId id="412" r:id="rId3"/>
     <p:sldId id="411" r:id="rId4"/>
-    <p:sldId id="413" r:id="rId5"/>
-    <p:sldId id="414" r:id="rId6"/>
-    <p:sldId id="415" r:id="rId7"/>
-    <p:sldId id="416" r:id="rId8"/>
-    <p:sldId id="417" r:id="rId9"/>
-    <p:sldId id="418" r:id="rId10"/>
-    <p:sldId id="419" r:id="rId11"/>
-    <p:sldId id="420" r:id="rId12"/>
-    <p:sldId id="421" r:id="rId13"/>
-    <p:sldId id="422" r:id="rId14"/>
-    <p:sldId id="424" r:id="rId15"/>
-    <p:sldId id="423" r:id="rId16"/>
-    <p:sldId id="425" r:id="rId17"/>
+    <p:sldId id="426" r:id="rId5"/>
+    <p:sldId id="413" r:id="rId6"/>
+    <p:sldId id="414" r:id="rId7"/>
+    <p:sldId id="415" r:id="rId8"/>
+    <p:sldId id="416" r:id="rId9"/>
+    <p:sldId id="417" r:id="rId10"/>
+    <p:sldId id="418" r:id="rId11"/>
+    <p:sldId id="419" r:id="rId12"/>
+    <p:sldId id="420" r:id="rId13"/>
+    <p:sldId id="421" r:id="rId14"/>
+    <p:sldId id="422" r:id="rId15"/>
+    <p:sldId id="424" r:id="rId16"/>
+    <p:sldId id="423" r:id="rId17"/>
+    <p:sldId id="425" r:id="rId18"/>
+    <p:sldId id="427" r:id="rId19"/>
   </p:sldIdLst>
   <p:sldSz cx="9144000" cy="6858000" type="screen4x3"/>
   <p:notesSz cx="7104063" cy="10234613"/>
@@ -133,6 +135,7 @@
             <p14:sldId id="410"/>
             <p14:sldId id="412"/>
             <p14:sldId id="411"/>
+            <p14:sldId id="426"/>
             <p14:sldId id="413"/>
             <p14:sldId id="414"/>
             <p14:sldId id="415"/>
@@ -146,6 +149,7 @@
             <p14:sldId id="424"/>
             <p14:sldId id="423"/>
             <p14:sldId id="425"/>
+            <p14:sldId id="427"/>
           </p14:sldIdLst>
         </p14:section>
       </p14:sectionLst>
@@ -321,7 +325,7 @@
             <a:fld id="{87731427-D242-475D-9180-8940013A50B8}" type="datetimeFigureOut">
               <a:rPr lang="en-GB" smtClean="0"/>
               <a:pPr algn="l"/>
-              <a:t>17/11/2016</a:t>
+              <a:t>20/11/2016</a:t>
             </a:fld>
             <a:endParaRPr lang="en-GB" dirty="0"/>
           </a:p>
@@ -526,7 +530,7 @@
             <a:fld id="{BA521D56-F1F4-41A0-82EB-989F4F6F400D}" type="datetimeFigureOut">
               <a:rPr lang="fr-FR" smtClean="0"/>
               <a:pPr/>
-              <a:t>17/11/2016</a:t>
+              <a:t>20/11/2016</a:t>
             </a:fld>
             <a:endParaRPr lang="fr-FR"/>
           </a:p>
@@ -8797,13 +8801,99 @@
           <a:chExt cx="0" cy="0"/>
         </a:xfrm>
       </p:grpSpPr>
+      <p:sp>
+        <p:nvSpPr>
+          <p:cNvPr id="2" name="Titre 1"/>
+          <p:cNvSpPr>
+            <a:spLocks noGrp="1"/>
+          </p:cNvSpPr>
+          <p:nvPr>
+            <p:ph type="title"/>
+          </p:nvPr>
+        </p:nvSpPr>
+        <p:spPr/>
+        <p:txBody>
+          <a:bodyPr/>
+          <a:lstStyle/>
+          <a:p>
+            <a:r>
+              <a:rPr lang="fr-FR" dirty="0" err="1" smtClean="0"/>
+              <a:t>Isolating</a:t>
+            </a:r>
+            <a:r>
+              <a:rPr lang="fr-FR" dirty="0" smtClean="0"/>
+              <a:t> scope</a:t>
+            </a:r>
+            <a:endParaRPr lang="fr-FR" dirty="0"/>
+          </a:p>
+        </p:txBody>
+      </p:sp>
+      <p:sp>
+        <p:nvSpPr>
+          <p:cNvPr id="3" name="Espace réservé du pied de page 2"/>
+          <p:cNvSpPr>
+            <a:spLocks noGrp="1"/>
+          </p:cNvSpPr>
+          <p:nvPr>
+            <p:ph type="ftr" sz="quarter" idx="11"/>
+          </p:nvPr>
+        </p:nvSpPr>
+        <p:spPr>
+          <a:xfrm>
+            <a:off x="531466" y="6461018"/>
+            <a:ext cx="4544590" cy="162152"/>
+          </a:xfrm>
+        </p:spPr>
+        <p:txBody>
+          <a:bodyPr/>
+          <a:lstStyle/>
+          <a:p>
+            <a:r>
+              <a:rPr lang="fr-FR" dirty="0" smtClean="0"/>
+              <a:t>Nom de la présentation</a:t>
+            </a:r>
+            <a:endParaRPr lang="fr-FR" dirty="0"/>
+          </a:p>
+        </p:txBody>
+      </p:sp>
+      <p:sp>
+        <p:nvSpPr>
+          <p:cNvPr id="4" name="Espace réservé du numéro de diapositive 3"/>
+          <p:cNvSpPr>
+            <a:spLocks noGrp="1"/>
+          </p:cNvSpPr>
+          <p:nvPr>
+            <p:ph type="sldNum" sz="quarter" idx="12"/>
+          </p:nvPr>
+        </p:nvSpPr>
+        <p:spPr>
+          <a:xfrm>
+            <a:off x="122130" y="6461018"/>
+            <a:ext cx="296226" cy="162152"/>
+          </a:xfrm>
+        </p:spPr>
+        <p:txBody>
+          <a:bodyPr/>
+          <a:lstStyle/>
+          <a:p>
+            <a:fld id="{AF43E6FD-AB27-4108-A2FC-346BB5F75E3F}" type="slidenum">
+              <a:rPr lang="fr-FR" smtClean="0"/>
+              <a:pPr/>
+              <a:t>10</a:t>
+            </a:fld>
+            <a:endParaRPr lang="fr-FR" dirty="0"/>
+          </a:p>
+        </p:txBody>
+      </p:sp>
       <p:pic>
         <p:nvPicPr>
-          <p:cNvPr id="15" name="Image 14"/>
+          <p:cNvPr id="32" name="Espace réservé du contenu 31"/>
           <p:cNvPicPr>
-            <a:picLocks noChangeAspect="1"/>
+            <a:picLocks noGrp="1" noChangeAspect="1"/>
           </p:cNvPicPr>
-          <p:nvPr/>
+          <p:nvPr>
+            <p:ph sz="quarter" idx="13"/>
+          </p:nvPr>
         </p:nvPicPr>
         <p:blipFill>
           <a:blip r:embed="rId2">
@@ -8819,17 +8909,14 @@
         </p:blipFill>
         <p:spPr>
           <a:xfrm>
-            <a:off x="484555" y="5074726"/>
-            <a:ext cx="4486275" cy="847725"/>
-          </a:xfrm>
-          <a:prstGeom prst="rect">
-            <a:avLst/>
-          </a:prstGeom>
+            <a:off x="198652" y="5768440"/>
+            <a:ext cx="8088312" cy="863109"/>
+          </a:xfrm>
         </p:spPr>
       </p:pic>
       <p:pic>
         <p:nvPicPr>
-          <p:cNvPr id="14" name="Image 13"/>
+          <p:cNvPr id="6" name="Image 5"/>
           <p:cNvPicPr>
             <a:picLocks noChangeAspect="1"/>
           </p:cNvPicPr>
@@ -8849,211 +8936,17 @@
         </p:blipFill>
         <p:spPr>
           <a:xfrm>
-            <a:off x="5255901" y="2610928"/>
-            <a:ext cx="3143250" cy="771525"/>
+            <a:off x="270243" y="1068128"/>
+            <a:ext cx="5802428" cy="3335809"/>
           </a:xfrm>
           <a:prstGeom prst="rect">
             <a:avLst/>
           </a:prstGeom>
         </p:spPr>
       </p:pic>
-      <p:sp>
-        <p:nvSpPr>
-          <p:cNvPr id="10" name="Rectangle 9"/>
-          <p:cNvSpPr/>
-          <p:nvPr/>
-        </p:nvSpPr>
-        <p:spPr>
-          <a:xfrm>
-            <a:off x="7619591" y="3215867"/>
-            <a:ext cx="1055417" cy="333172"/>
-          </a:xfrm>
-          <a:prstGeom prst="rect">
-            <a:avLst/>
-          </a:prstGeom>
-          <a:ln/>
-        </p:spPr>
-        <p:style>
-          <a:lnRef idx="2">
-            <a:schemeClr val="accent6"/>
-          </a:lnRef>
-          <a:fillRef idx="1">
-            <a:schemeClr val="lt1"/>
-          </a:fillRef>
-          <a:effectRef idx="0">
-            <a:schemeClr val="accent6"/>
-          </a:effectRef>
-          <a:fontRef idx="minor">
-            <a:schemeClr val="dk1"/>
-          </a:fontRef>
-        </p:style>
-        <p:txBody>
-          <a:bodyPr rtlCol="0" anchor="ctr"/>
-          <a:lstStyle/>
-          <a:p>
-            <a:pPr algn="ctr"/>
-            <a:r>
-              <a:rPr lang="fr-FR" sz="1400" dirty="0" smtClean="0"/>
-              <a:t>index.html</a:t>
-            </a:r>
-          </a:p>
-        </p:txBody>
-      </p:sp>
-      <p:sp>
-        <p:nvSpPr>
-          <p:cNvPr id="2" name="Titre 1"/>
-          <p:cNvSpPr>
-            <a:spLocks noGrp="1"/>
-          </p:cNvSpPr>
-          <p:nvPr>
-            <p:ph type="title"/>
-          </p:nvPr>
-        </p:nvSpPr>
-        <p:spPr/>
-        <p:txBody>
-          <a:bodyPr/>
-          <a:lstStyle/>
-          <a:p>
-            <a:r>
-              <a:rPr lang="fr-FR" dirty="0" err="1" smtClean="0"/>
-              <a:t>Isolating</a:t>
-            </a:r>
-            <a:r>
-              <a:rPr lang="fr-FR" dirty="0" smtClean="0"/>
-              <a:t> scope</a:t>
-            </a:r>
-            <a:endParaRPr lang="fr-FR" dirty="0"/>
-          </a:p>
-        </p:txBody>
-      </p:sp>
-      <p:sp>
-        <p:nvSpPr>
-          <p:cNvPr id="3" name="Espace réservé du pied de page 2"/>
-          <p:cNvSpPr>
-            <a:spLocks noGrp="1"/>
-          </p:cNvSpPr>
-          <p:nvPr>
-            <p:ph type="ftr" sz="quarter" idx="11"/>
-          </p:nvPr>
-        </p:nvSpPr>
-        <p:spPr/>
-        <p:txBody>
-          <a:bodyPr/>
-          <a:lstStyle/>
-          <a:p>
-            <a:r>
-              <a:rPr lang="fr-FR" dirty="0" smtClean="0"/>
-              <a:t>Nom de la présentation</a:t>
-            </a:r>
-            <a:endParaRPr lang="fr-FR" dirty="0"/>
-          </a:p>
-        </p:txBody>
-      </p:sp>
-      <p:sp>
-        <p:nvSpPr>
-          <p:cNvPr id="4" name="Espace réservé du numéro de diapositive 3"/>
-          <p:cNvSpPr>
-            <a:spLocks noGrp="1"/>
-          </p:cNvSpPr>
-          <p:nvPr>
-            <p:ph type="sldNum" sz="quarter" idx="12"/>
-          </p:nvPr>
-        </p:nvSpPr>
-        <p:spPr/>
-        <p:txBody>
-          <a:bodyPr/>
-          <a:lstStyle/>
-          <a:p>
-            <a:fld id="{AF43E6FD-AB27-4108-A2FC-346BB5F75E3F}" type="slidenum">
-              <a:rPr lang="fr-FR" smtClean="0"/>
-              <a:pPr/>
-              <a:t>10</a:t>
-            </a:fld>
-            <a:endParaRPr lang="fr-FR" dirty="0"/>
-          </a:p>
-        </p:txBody>
-      </p:sp>
-      <p:sp>
-        <p:nvSpPr>
-          <p:cNvPr id="5" name="Espace réservé du contenu 4"/>
-          <p:cNvSpPr>
-            <a:spLocks noGrp="1"/>
-          </p:cNvSpPr>
-          <p:nvPr>
-            <p:ph sz="quarter" idx="13"/>
-          </p:nvPr>
-        </p:nvSpPr>
-        <p:spPr/>
-        <p:txBody>
-          <a:bodyPr/>
-          <a:lstStyle/>
-          <a:p>
-            <a:pPr>
-              <a:buFont typeface="Arial" panose="020B0604020202020204" pitchFamily="34" charset="0"/>
-              <a:buChar char="•"/>
-            </a:pPr>
-            <a:r>
-              <a:rPr lang="en-US" dirty="0" smtClean="0"/>
-              <a:t>The isolate </a:t>
-            </a:r>
-            <a:r>
-              <a:rPr lang="en-US" dirty="0"/>
-              <a:t>scope of the directive isolates everything except models that you've explicitly added to the scope: {} </a:t>
-            </a:r>
-            <a:r>
-              <a:rPr lang="en-US" dirty="0" smtClean="0"/>
-              <a:t>object</a:t>
-            </a:r>
-            <a:endParaRPr lang="fr-FR" dirty="0"/>
-          </a:p>
-        </p:txBody>
-      </p:sp>
-      <p:sp>
-        <p:nvSpPr>
-          <p:cNvPr id="11" name="Rectangle 10"/>
-          <p:cNvSpPr/>
-          <p:nvPr/>
-        </p:nvSpPr>
-        <p:spPr>
-          <a:xfrm>
-            <a:off x="4129726" y="5554546"/>
-            <a:ext cx="2462792" cy="333172"/>
-          </a:xfrm>
-          <a:prstGeom prst="rect">
-            <a:avLst/>
-          </a:prstGeom>
-          <a:ln/>
-        </p:spPr>
-        <p:style>
-          <a:lnRef idx="2">
-            <a:schemeClr val="accent6"/>
-          </a:lnRef>
-          <a:fillRef idx="1">
-            <a:schemeClr val="lt1"/>
-          </a:fillRef>
-          <a:effectRef idx="0">
-            <a:schemeClr val="accent6"/>
-          </a:effectRef>
-          <a:fontRef idx="minor">
-            <a:schemeClr val="dk1"/>
-          </a:fontRef>
-        </p:style>
-        <p:txBody>
-          <a:bodyPr rtlCol="0" anchor="ctr"/>
-          <a:lstStyle/>
-          <a:p>
-            <a:pPr algn="ctr"/>
-            <a:r>
-              <a:rPr lang="fr-FR" sz="1400" dirty="0"/>
-              <a:t>my-customer-plus-vojta.html</a:t>
-            </a:r>
-            <a:endParaRPr lang="fr-FR" sz="1400" dirty="0" smtClean="0"/>
-          </a:p>
-        </p:txBody>
-      </p:sp>
       <p:pic>
         <p:nvPicPr>
-          <p:cNvPr id="13" name="Image 12"/>
+          <p:cNvPr id="7" name="Image 6"/>
           <p:cNvPicPr>
             <a:picLocks noChangeAspect="1"/>
           </p:cNvPicPr>
@@ -9073,14 +8966,44 @@
         </p:blipFill>
         <p:spPr>
           <a:xfrm>
-            <a:off x="270243" y="2171642"/>
-            <a:ext cx="4914900" cy="2695575"/>
+            <a:off x="5191386" y="2551869"/>
+            <a:ext cx="3858650" cy="1420362"/>
           </a:xfrm>
           <a:prstGeom prst="rect">
             <a:avLst/>
           </a:prstGeom>
         </p:spPr>
       </p:pic>
+      <p:pic>
+        <p:nvPicPr>
+          <p:cNvPr id="8" name="Image 7"/>
+          <p:cNvPicPr>
+            <a:picLocks noChangeAspect="1"/>
+          </p:cNvPicPr>
+          <p:nvPr/>
+        </p:nvPicPr>
+        <p:blipFill>
+          <a:blip r:embed="rId5">
+            <a:extLst>
+              <a:ext uri="{28A0092B-C50C-407E-A947-70E740481C1C}">
+                <a14:useLocalDpi xmlns:a14="http://schemas.microsoft.com/office/drawing/2010/main" val="0"/>
+              </a:ext>
+            </a:extLst>
+          </a:blip>
+          <a:stretch>
+            <a:fillRect/>
+          </a:stretch>
+        </p:blipFill>
+        <p:spPr>
+          <a:xfrm>
+            <a:off x="270243" y="4920573"/>
+            <a:ext cx="5108772" cy="509769"/>
+          </a:xfrm>
+          <a:prstGeom prst="rect">
+            <a:avLst/>
+          </a:prstGeom>
+        </p:spPr>
+      </p:pic>
       <p:sp>
         <p:nvSpPr>
           <p:cNvPr id="9" name="Rectangle 8"/>
@@ -9089,7 +9012,7 @@
         </p:nvSpPr>
         <p:spPr>
           <a:xfrm>
-            <a:off x="4129726" y="4506526"/>
+            <a:off x="5017254" y="4175794"/>
             <a:ext cx="1055417" cy="333172"/>
           </a:xfrm>
           <a:prstGeom prst="rect">
@@ -9125,20 +9048,104 @@
       </p:sp>
       <p:sp>
         <p:nvSpPr>
-          <p:cNvPr id="18" name="Rectangle 17"/>
+          <p:cNvPr id="10" name="Rectangle 9"/>
           <p:cNvSpPr/>
           <p:nvPr/>
         </p:nvSpPr>
         <p:spPr>
           <a:xfrm>
-            <a:off x="1020015" y="5554546"/>
-            <a:ext cx="998256" cy="256787"/>
+            <a:off x="7936954" y="3688326"/>
+            <a:ext cx="1055417" cy="333172"/>
+          </a:xfrm>
+          <a:prstGeom prst="rect">
+            <a:avLst/>
+          </a:prstGeom>
+          <a:ln/>
+        </p:spPr>
+        <p:style>
+          <a:lnRef idx="2">
+            <a:schemeClr val="accent6"/>
+          </a:lnRef>
+          <a:fillRef idx="1">
+            <a:schemeClr val="lt1"/>
+          </a:fillRef>
+          <a:effectRef idx="0">
+            <a:schemeClr val="accent6"/>
+          </a:effectRef>
+          <a:fontRef idx="minor">
+            <a:schemeClr val="dk1"/>
+          </a:fontRef>
+        </p:style>
+        <p:txBody>
+          <a:bodyPr rtlCol="0" anchor="ctr"/>
+          <a:lstStyle/>
+          <a:p>
+            <a:pPr algn="ctr"/>
+            <a:r>
+              <a:rPr lang="fr-FR" sz="1400" dirty="0" smtClean="0"/>
+              <a:t>index.html</a:t>
+            </a:r>
+          </a:p>
+        </p:txBody>
+      </p:sp>
+      <p:sp>
+        <p:nvSpPr>
+          <p:cNvPr id="11" name="Rectangle 10"/>
+          <p:cNvSpPr/>
+          <p:nvPr/>
+        </p:nvSpPr>
+        <p:spPr>
+          <a:xfrm>
+            <a:off x="5305490" y="5114860"/>
+            <a:ext cx="2026187" cy="333172"/>
+          </a:xfrm>
+          <a:prstGeom prst="rect">
+            <a:avLst/>
+          </a:prstGeom>
+          <a:ln/>
+        </p:spPr>
+        <p:style>
+          <a:lnRef idx="2">
+            <a:schemeClr val="accent6"/>
+          </a:lnRef>
+          <a:fillRef idx="1">
+            <a:schemeClr val="lt1"/>
+          </a:fillRef>
+          <a:effectRef idx="0">
+            <a:schemeClr val="accent6"/>
+          </a:effectRef>
+          <a:fontRef idx="minor">
+            <a:schemeClr val="dk1"/>
+          </a:fontRef>
+        </p:style>
+        <p:txBody>
+          <a:bodyPr rtlCol="0" anchor="ctr"/>
+          <a:lstStyle/>
+          <a:p>
+            <a:pPr algn="ctr"/>
+            <a:r>
+              <a:rPr lang="fr-FR" sz="1400" dirty="0" smtClean="0"/>
+              <a:t>my-customer-iso.html</a:t>
+            </a:r>
+          </a:p>
+        </p:txBody>
+      </p:sp>
+      <p:sp>
+        <p:nvSpPr>
+          <p:cNvPr id="13" name="Rectangle 12"/>
+          <p:cNvSpPr/>
+          <p:nvPr/>
+        </p:nvSpPr>
+        <p:spPr>
+          <a:xfrm>
+            <a:off x="860853" y="3160514"/>
+            <a:ext cx="1206844" cy="241710"/>
           </a:xfrm>
           <a:prstGeom prst="rect">
             <a:avLst/>
           </a:prstGeom>
           <a:noFill/>
-          <a:ln w="28575">
+          <a:ln>
             <a:solidFill>
               <a:srgbClr val="00B0F0"/>
             </a:solidFill>
@@ -9167,16 +9174,148 @@
           </a:p>
         </p:txBody>
       </p:sp>
+      <p:sp>
+        <p:nvSpPr>
+          <p:cNvPr id="14" name="Rectangle 13"/>
+          <p:cNvSpPr/>
+          <p:nvPr/>
+        </p:nvSpPr>
+        <p:spPr>
+          <a:xfrm>
+            <a:off x="2120259" y="3160514"/>
+            <a:ext cx="639417" cy="241710"/>
+          </a:xfrm>
+          <a:prstGeom prst="rect">
+            <a:avLst/>
+          </a:prstGeom>
+          <a:noFill/>
+          <a:ln>
+            <a:solidFill>
+              <a:schemeClr val="accent5"/>
+            </a:solidFill>
+          </a:ln>
+        </p:spPr>
+        <p:style>
+          <a:lnRef idx="2">
+            <a:schemeClr val="accent5"/>
+          </a:lnRef>
+          <a:fillRef idx="1">
+            <a:schemeClr val="lt1"/>
+          </a:fillRef>
+          <a:effectRef idx="0">
+            <a:schemeClr val="accent5"/>
+          </a:effectRef>
+          <a:fontRef idx="minor">
+            <a:schemeClr val="dk1"/>
+          </a:fontRef>
+        </p:style>
+        <p:txBody>
+          <a:bodyPr rtlCol="0" anchor="ctr"/>
+          <a:lstStyle/>
+          <a:p>
+            <a:pPr algn="ctr"/>
+            <a:endParaRPr lang="fr-FR" dirty="0" smtClean="0"/>
+          </a:p>
+        </p:txBody>
+      </p:sp>
+      <p:sp>
+        <p:nvSpPr>
+          <p:cNvPr id="15" name="Rectangle 14"/>
+          <p:cNvSpPr/>
+          <p:nvPr/>
+        </p:nvSpPr>
+        <p:spPr>
+          <a:xfrm>
+            <a:off x="913415" y="5054602"/>
+            <a:ext cx="1206844" cy="241710"/>
+          </a:xfrm>
+          <a:prstGeom prst="rect">
+            <a:avLst/>
+          </a:prstGeom>
+          <a:noFill/>
+          <a:ln>
+            <a:solidFill>
+              <a:srgbClr val="00B0F0"/>
+            </a:solidFill>
+          </a:ln>
+        </p:spPr>
+        <p:style>
+          <a:lnRef idx="2">
+            <a:schemeClr val="accent5"/>
+          </a:lnRef>
+          <a:fillRef idx="1">
+            <a:schemeClr val="lt1"/>
+          </a:fillRef>
+          <a:effectRef idx="0">
+            <a:schemeClr val="accent5"/>
+          </a:effectRef>
+          <a:fontRef idx="minor">
+            <a:schemeClr val="dk1"/>
+          </a:fontRef>
+        </p:style>
+        <p:txBody>
+          <a:bodyPr rtlCol="0" anchor="ctr"/>
+          <a:lstStyle/>
+          <a:p>
+            <a:pPr algn="ctr"/>
+            <a:endParaRPr lang="fr-FR" dirty="0" smtClean="0"/>
+          </a:p>
+        </p:txBody>
+      </p:sp>
+      <p:sp>
+        <p:nvSpPr>
+          <p:cNvPr id="16" name="Rectangle 15"/>
+          <p:cNvSpPr/>
+          <p:nvPr/>
+        </p:nvSpPr>
+        <p:spPr>
+          <a:xfrm>
+            <a:off x="3251265" y="5073933"/>
+            <a:ext cx="1206844" cy="241710"/>
+          </a:xfrm>
+          <a:prstGeom prst="rect">
+            <a:avLst/>
+          </a:prstGeom>
+          <a:noFill/>
+          <a:ln>
+            <a:solidFill>
+              <a:srgbClr val="00B0F0"/>
+            </a:solidFill>
+          </a:ln>
+        </p:spPr>
+        <p:style>
+          <a:lnRef idx="2">
+            <a:schemeClr val="accent5"/>
+          </a:lnRef>
+          <a:fillRef idx="1">
+            <a:schemeClr val="lt1"/>
+          </a:fillRef>
+          <a:effectRef idx="0">
+            <a:schemeClr val="accent5"/>
+          </a:effectRef>
+          <a:fontRef idx="minor">
+            <a:schemeClr val="dk1"/>
+          </a:fontRef>
+        </p:style>
+        <p:txBody>
+          <a:bodyPr rtlCol="0" anchor="ctr"/>
+          <a:lstStyle/>
+          <a:p>
+            <a:pPr algn="ctr"/>
+            <a:endParaRPr lang="fr-FR" dirty="0" smtClean="0"/>
+          </a:p>
+        </p:txBody>
+      </p:sp>
       <p:cxnSp>
         <p:nvCxnSpPr>
-          <p:cNvPr id="19" name="Connecteur droit avec flèche 18"/>
+          <p:cNvPr id="17" name="Connecteur droit avec flèche 16"/>
           <p:cNvCxnSpPr/>
           <p:nvPr/>
         </p:nvCxnSpPr>
         <p:spPr>
-          <a:xfrm flipH="1" flipV="1">
-            <a:off x="1621380" y="5944804"/>
-            <a:ext cx="984874" cy="314005"/>
+          <a:xfrm>
+            <a:off x="1408670" y="3476364"/>
+            <a:ext cx="49428" cy="1485399"/>
           </a:xfrm>
           <a:prstGeom prst="straightConnector1">
             <a:avLst/>
@@ -9203,60 +9342,16 @@
           </a:fontRef>
         </p:style>
       </p:cxnSp>
-      <p:sp>
-        <p:nvSpPr>
-          <p:cNvPr id="21" name="Rectangle 20"/>
-          <p:cNvSpPr/>
-          <p:nvPr/>
-        </p:nvSpPr>
-        <p:spPr>
-          <a:xfrm>
-            <a:off x="2574870" y="5554545"/>
-            <a:ext cx="1305152" cy="256787"/>
-          </a:xfrm>
-          <a:prstGeom prst="rect">
-            <a:avLst/>
-          </a:prstGeom>
-          <a:noFill/>
-          <a:ln w="28575">
-            <a:solidFill>
-              <a:srgbClr val="00B0F0"/>
-            </a:solidFill>
-          </a:ln>
-        </p:spPr>
-        <p:style>
-          <a:lnRef idx="2">
-            <a:schemeClr val="accent5"/>
-          </a:lnRef>
-          <a:fillRef idx="1">
-            <a:schemeClr val="lt1"/>
-          </a:fillRef>
-          <a:effectRef idx="0">
-            <a:schemeClr val="accent5"/>
-          </a:effectRef>
-          <a:fontRef idx="minor">
-            <a:schemeClr val="dk1"/>
-          </a:fontRef>
-        </p:style>
-        <p:txBody>
-          <a:bodyPr rtlCol="0" anchor="ctr"/>
-          <a:lstStyle/>
-          <a:p>
-            <a:pPr algn="ctr"/>
-            <a:endParaRPr lang="fr-FR" dirty="0" smtClean="0"/>
-          </a:p>
-        </p:txBody>
-      </p:sp>
       <p:cxnSp>
         <p:nvCxnSpPr>
-          <p:cNvPr id="23" name="Connecteur droit avec flèche 22"/>
+          <p:cNvPr id="20" name="Connecteur droit avec flèche 19"/>
           <p:cNvCxnSpPr/>
           <p:nvPr/>
         </p:nvCxnSpPr>
         <p:spPr>
-          <a:xfrm flipH="1" flipV="1">
-            <a:off x="2606254" y="5932267"/>
-            <a:ext cx="121438" cy="226815"/>
+          <a:xfrm>
+            <a:off x="1548714" y="3476364"/>
+            <a:ext cx="2166551" cy="1548713"/>
           </a:xfrm>
           <a:prstGeom prst="straightConnector1">
             <a:avLst/>
@@ -9285,102 +9380,211 @@
       </p:cxnSp>
       <p:sp>
         <p:nvSpPr>
-          <p:cNvPr id="27" name="ZoneTexte 26"/>
-          <p:cNvSpPr txBox="1"/>
+          <p:cNvPr id="24" name="Rectangle 23"/>
+          <p:cNvSpPr/>
           <p:nvPr/>
         </p:nvSpPr>
         <p:spPr>
           <a:xfrm>
-            <a:off x="2637637" y="6098247"/>
-            <a:ext cx="4815830" cy="646331"/>
+            <a:off x="6492965" y="2918804"/>
+            <a:ext cx="517436" cy="241710"/>
           </a:xfrm>
           <a:prstGeom prst="rect">
             <a:avLst/>
           </a:prstGeom>
           <a:noFill/>
-        </p:spPr>
-        <p:txBody>
-          <a:bodyPr wrap="square" rtlCol="0">
-            <a:spAutoFit/>
-          </a:bodyPr>
-          <a:lstStyle/>
-          <a:p>
-            <a:r>
-              <a:rPr lang="fr-FR" dirty="0" smtClean="0"/>
-              <a:t>Nothing </a:t>
-            </a:r>
-            <a:r>
-              <a:rPr lang="fr-FR" dirty="0" err="1" smtClean="0"/>
-              <a:t>displayed</a:t>
-            </a:r>
-            <a:r>
-              <a:rPr lang="fr-FR" dirty="0" smtClean="0"/>
-              <a:t> as </a:t>
-            </a:r>
-            <a:r>
-              <a:rPr lang="fr-FR" dirty="0" err="1" smtClean="0"/>
-              <a:t>vojta</a:t>
-            </a:r>
-            <a:r>
-              <a:rPr lang="fr-FR" dirty="0" smtClean="0"/>
-              <a:t> </a:t>
-            </a:r>
-            <a:r>
-              <a:rPr lang="fr-FR" dirty="0" err="1" smtClean="0"/>
-              <a:t>is</a:t>
-            </a:r>
-            <a:r>
-              <a:rPr lang="fr-FR" dirty="0" smtClean="0"/>
-              <a:t> not </a:t>
-            </a:r>
-            <a:r>
-              <a:rPr lang="fr-FR" dirty="0" err="1" smtClean="0"/>
-              <a:t>defined</a:t>
-            </a:r>
-            <a:r>
-              <a:rPr lang="fr-FR" dirty="0" smtClean="0"/>
-              <a:t> in the directive </a:t>
-            </a:r>
-            <a:r>
-              <a:rPr lang="fr-FR" dirty="0" err="1" smtClean="0"/>
-              <a:t>nor</a:t>
-            </a:r>
-            <a:r>
-              <a:rPr lang="fr-FR" dirty="0" smtClean="0"/>
-              <a:t> </a:t>
-            </a:r>
-            <a:r>
-              <a:rPr lang="fr-FR" dirty="0" err="1" smtClean="0"/>
-              <a:t>inherited</a:t>
-            </a:r>
-            <a:r>
-              <a:rPr lang="fr-FR" dirty="0" smtClean="0"/>
-              <a:t> </a:t>
-            </a:r>
-            <a:r>
-              <a:rPr lang="fr-FR" dirty="0" err="1" smtClean="0"/>
-              <a:t>from</a:t>
-            </a:r>
-            <a:r>
-              <a:rPr lang="fr-FR" dirty="0" smtClean="0"/>
-              <a:t> the </a:t>
-            </a:r>
-            <a:r>
-              <a:rPr lang="fr-FR" dirty="0" err="1" smtClean="0"/>
-              <a:t>controller</a:t>
-            </a:r>
-            <a:r>
-              <a:rPr lang="fr-FR" dirty="0" smtClean="0"/>
-              <a:t> scope</a:t>
-            </a:r>
-            <a:endParaRPr lang="fr-FR" dirty="0"/>
+          <a:ln>
+            <a:solidFill>
+              <a:schemeClr val="accent5"/>
+            </a:solidFill>
+          </a:ln>
+        </p:spPr>
+        <p:style>
+          <a:lnRef idx="2">
+            <a:schemeClr val="accent5"/>
+          </a:lnRef>
+          <a:fillRef idx="1">
+            <a:schemeClr val="lt1"/>
+          </a:fillRef>
+          <a:effectRef idx="0">
+            <a:schemeClr val="accent5"/>
+          </a:effectRef>
+          <a:fontRef idx="minor">
+            <a:schemeClr val="dk1"/>
+          </a:fontRef>
+        </p:style>
+        <p:txBody>
+          <a:bodyPr rtlCol="0" anchor="ctr"/>
+          <a:lstStyle/>
+          <a:p>
+            <a:pPr algn="ctr"/>
+            <a:endParaRPr lang="fr-FR" dirty="0" smtClean="0"/>
+          </a:p>
+        </p:txBody>
+      </p:sp>
+      <p:sp>
+        <p:nvSpPr>
+          <p:cNvPr id="25" name="Rectangle 24"/>
+          <p:cNvSpPr/>
+          <p:nvPr/>
+        </p:nvSpPr>
+        <p:spPr>
+          <a:xfrm>
+            <a:off x="6512372" y="3324662"/>
+            <a:ext cx="517436" cy="241710"/>
+          </a:xfrm>
+          <a:prstGeom prst="rect">
+            <a:avLst/>
+          </a:prstGeom>
+          <a:noFill/>
+          <a:ln>
+            <a:solidFill>
+              <a:schemeClr val="accent5"/>
+            </a:solidFill>
+          </a:ln>
+        </p:spPr>
+        <p:style>
+          <a:lnRef idx="2">
+            <a:schemeClr val="accent5"/>
+          </a:lnRef>
+          <a:fillRef idx="1">
+            <a:schemeClr val="lt1"/>
+          </a:fillRef>
+          <a:effectRef idx="0">
+            <a:schemeClr val="accent5"/>
+          </a:effectRef>
+          <a:fontRef idx="minor">
+            <a:schemeClr val="dk1"/>
+          </a:fontRef>
+        </p:style>
+        <p:txBody>
+          <a:bodyPr rtlCol="0" anchor="ctr"/>
+          <a:lstStyle/>
+          <a:p>
+            <a:pPr algn="ctr"/>
+            <a:endParaRPr lang="fr-FR" dirty="0" smtClean="0"/>
+          </a:p>
+        </p:txBody>
+      </p:sp>
+      <p:cxnSp>
+        <p:nvCxnSpPr>
+          <p:cNvPr id="26" name="Connecteur droit avec flèche 25"/>
+          <p:cNvCxnSpPr/>
+          <p:nvPr/>
+        </p:nvCxnSpPr>
+        <p:spPr>
+          <a:xfrm>
+            <a:off x="2851840" y="3361665"/>
+            <a:ext cx="3559951" cy="204707"/>
+          </a:xfrm>
+          <a:prstGeom prst="straightConnector1">
+            <a:avLst/>
+          </a:prstGeom>
+          <a:ln w="38100">
+            <a:solidFill>
+              <a:schemeClr val="accent5"/>
+            </a:solidFill>
+            <a:tailEnd type="triangle"/>
+          </a:ln>
+        </p:spPr>
+        <p:style>
+          <a:lnRef idx="1">
+            <a:schemeClr val="accent5"/>
+          </a:lnRef>
+          <a:fillRef idx="0">
+            <a:schemeClr val="accent5"/>
+          </a:fillRef>
+          <a:effectRef idx="0">
+            <a:schemeClr val="accent5"/>
+          </a:effectRef>
+          <a:fontRef idx="minor">
+            <a:schemeClr val="tx1"/>
+          </a:fontRef>
+        </p:style>
+      </p:cxnSp>
+      <p:cxnSp>
+        <p:nvCxnSpPr>
+          <p:cNvPr id="29" name="Connecteur droit avec flèche 28"/>
+          <p:cNvCxnSpPr/>
+          <p:nvPr/>
+        </p:nvCxnSpPr>
+        <p:spPr>
+          <a:xfrm flipV="1">
+            <a:off x="2851840" y="3132709"/>
+            <a:ext cx="3559951" cy="98746"/>
+          </a:xfrm>
+          <a:prstGeom prst="straightConnector1">
+            <a:avLst/>
+          </a:prstGeom>
+          <a:ln w="38100">
+            <a:solidFill>
+              <a:schemeClr val="accent5"/>
+            </a:solidFill>
+            <a:tailEnd type="triangle"/>
+          </a:ln>
+        </p:spPr>
+        <p:style>
+          <a:lnRef idx="1">
+            <a:schemeClr val="accent5"/>
+          </a:lnRef>
+          <a:fillRef idx="0">
+            <a:schemeClr val="accent5"/>
+          </a:fillRef>
+          <a:effectRef idx="0">
+            <a:schemeClr val="accent5"/>
+          </a:effectRef>
+          <a:fontRef idx="minor">
+            <a:schemeClr val="tx1"/>
+          </a:fontRef>
+        </p:style>
+      </p:cxnSp>
+      <p:sp>
+        <p:nvSpPr>
+          <p:cNvPr id="33" name="Rectangle 32"/>
+          <p:cNvSpPr/>
+          <p:nvPr/>
+        </p:nvSpPr>
+        <p:spPr>
+          <a:xfrm>
+            <a:off x="6977772" y="6298377"/>
+            <a:ext cx="1055417" cy="333172"/>
+          </a:xfrm>
+          <a:prstGeom prst="rect">
+            <a:avLst/>
+          </a:prstGeom>
+          <a:ln/>
+        </p:spPr>
+        <p:style>
+          <a:lnRef idx="2">
+            <a:schemeClr val="accent6"/>
+          </a:lnRef>
+          <a:fillRef idx="1">
+            <a:schemeClr val="lt1"/>
+          </a:fillRef>
+          <a:effectRef idx="0">
+            <a:schemeClr val="accent6"/>
+          </a:effectRef>
+          <a:fontRef idx="minor">
+            <a:schemeClr val="dk1"/>
+          </a:fontRef>
+        </p:style>
+        <p:txBody>
+          <a:bodyPr rtlCol="0" anchor="ctr"/>
+          <a:lstStyle/>
+          <a:p>
+            <a:pPr algn="ctr"/>
+            <a:r>
+              <a:rPr lang="fr-FR" sz="1400" dirty="0" err="1" smtClean="0"/>
+              <a:t>result</a:t>
+            </a:r>
+            <a:endParaRPr lang="fr-FR" sz="1400" dirty="0" smtClean="0"/>
           </a:p>
         </p:txBody>
       </p:sp>
     </p:spTree>
     <p:extLst>
       <p:ext uri="{BB962C8B-B14F-4D97-AF65-F5344CB8AC3E}">
-        <p14:creationId xmlns:p14="http://schemas.microsoft.com/office/powerpoint/2010/main" val="508539088"/>
+        <p14:creationId xmlns:p14="http://schemas.microsoft.com/office/powerpoint/2010/main" val="1219051826"/>
       </p:ext>
     </p:extLst>
   </p:cSld>
@@ -9407,6 +9611,108 @@
           <a:chExt cx="0" cy="0"/>
         </a:xfrm>
       </p:grpSpPr>
+      <p:pic>
+        <p:nvPicPr>
+          <p:cNvPr id="15" name="Image 14"/>
+          <p:cNvPicPr>
+            <a:picLocks noChangeAspect="1"/>
+          </p:cNvPicPr>
+          <p:nvPr/>
+        </p:nvPicPr>
+        <p:blipFill>
+          <a:blip r:embed="rId2">
+            <a:extLst>
+              <a:ext uri="{28A0092B-C50C-407E-A947-70E740481C1C}">
+                <a14:useLocalDpi xmlns:a14="http://schemas.microsoft.com/office/drawing/2010/main" val="0"/>
+              </a:ext>
+            </a:extLst>
+          </a:blip>
+          <a:stretch>
+            <a:fillRect/>
+          </a:stretch>
+        </p:blipFill>
+        <p:spPr>
+          <a:xfrm>
+            <a:off x="484555" y="5074726"/>
+            <a:ext cx="4486275" cy="847725"/>
+          </a:xfrm>
+          <a:prstGeom prst="rect">
+            <a:avLst/>
+          </a:prstGeom>
+        </p:spPr>
+      </p:pic>
+      <p:pic>
+        <p:nvPicPr>
+          <p:cNvPr id="14" name="Image 13"/>
+          <p:cNvPicPr>
+            <a:picLocks noChangeAspect="1"/>
+          </p:cNvPicPr>
+          <p:nvPr/>
+        </p:nvPicPr>
+        <p:blipFill>
+          <a:blip r:embed="rId3">
+            <a:extLst>
+              <a:ext uri="{28A0092B-C50C-407E-A947-70E740481C1C}">
+                <a14:useLocalDpi xmlns:a14="http://schemas.microsoft.com/office/drawing/2010/main" val="0"/>
+              </a:ext>
+            </a:extLst>
+          </a:blip>
+          <a:stretch>
+            <a:fillRect/>
+          </a:stretch>
+        </p:blipFill>
+        <p:spPr>
+          <a:xfrm>
+            <a:off x="5255901" y="2610928"/>
+            <a:ext cx="3143250" cy="771525"/>
+          </a:xfrm>
+          <a:prstGeom prst="rect">
+            <a:avLst/>
+          </a:prstGeom>
+        </p:spPr>
+      </p:pic>
+      <p:sp>
+        <p:nvSpPr>
+          <p:cNvPr id="10" name="Rectangle 9"/>
+          <p:cNvSpPr/>
+          <p:nvPr/>
+        </p:nvSpPr>
+        <p:spPr>
+          <a:xfrm>
+            <a:off x="7619591" y="3215867"/>
+            <a:ext cx="1055417" cy="333172"/>
+          </a:xfrm>
+          <a:prstGeom prst="rect">
+            <a:avLst/>
+          </a:prstGeom>
+          <a:ln/>
+        </p:spPr>
+        <p:style>
+          <a:lnRef idx="2">
+            <a:schemeClr val="accent6"/>
+          </a:lnRef>
+          <a:fillRef idx="1">
+            <a:schemeClr val="lt1"/>
+          </a:fillRef>
+          <a:effectRef idx="0">
+            <a:schemeClr val="accent6"/>
+          </a:effectRef>
+          <a:fontRef idx="minor">
+            <a:schemeClr val="dk1"/>
+          </a:fontRef>
+        </p:style>
+        <p:txBody>
+          <a:bodyPr rtlCol="0" anchor="ctr"/>
+          <a:lstStyle/>
+          <a:p>
+            <a:pPr algn="ctr"/>
+            <a:r>
+              <a:rPr lang="fr-FR" sz="1400" dirty="0" smtClean="0"/>
+              <a:t>index.html</a:t>
+            </a:r>
+          </a:p>
+        </p:txBody>
+      </p:sp>
       <p:sp>
         <p:nvSpPr>
           <p:cNvPr id="2" name="Titre 1"/>
@@ -9423,9 +9729,14 @@
           <a:lstStyle/>
           <a:p>
             <a:r>
-              <a:rPr lang="en-US" dirty="0"/>
-              <a:t>Creating a Directive that Manipulates the DOM</a:t>
-            </a:r>
+              <a:rPr lang="fr-FR" dirty="0" err="1" smtClean="0"/>
+              <a:t>Isolating</a:t>
+            </a:r>
+            <a:r>
+              <a:rPr lang="fr-FR" dirty="0" smtClean="0"/>
+              <a:t> scope</a:t>
+            </a:r>
+            <a:endParaRPr lang="fr-FR" dirty="0"/>
           </a:p>
         </p:txBody>
       </p:sp>
@@ -9496,198 +9807,394 @@
               <a:buChar char="•"/>
             </a:pPr>
             <a:r>
+              <a:rPr lang="en-US" dirty="0" smtClean="0"/>
+              <a:t>The isolate </a:t>
+            </a:r>
+            <a:r>
               <a:rPr lang="en-US" dirty="0"/>
-              <a:t>Directives that want to modify the DOM </a:t>
+              <a:t>scope of the directive isolates everything except models that you've explicitly added to the scope: {} </a:t>
             </a:r>
             <a:r>
               <a:rPr lang="en-US" dirty="0" smtClean="0"/>
-              <a:t>use </a:t>
-            </a:r>
-            <a:r>
-              <a:rPr lang="en-US" dirty="0"/>
-              <a:t>the link option. </a:t>
-            </a:r>
-            <a:endParaRPr lang="en-US" dirty="0" smtClean="0"/>
-          </a:p>
-          <a:p>
-            <a:pPr>
-              <a:buFont typeface="Arial" panose="020B0604020202020204" pitchFamily="34" charset="0"/>
-              <a:buChar char="•"/>
-            </a:pPr>
-            <a:r>
-              <a:rPr lang="en-US" dirty="0" smtClean="0"/>
-              <a:t>link </a:t>
-            </a:r>
-            <a:r>
-              <a:rPr lang="en-US" dirty="0"/>
-              <a:t>takes a function with the following </a:t>
-            </a:r>
-            <a:r>
-              <a:rPr lang="en-US" dirty="0" smtClean="0"/>
-              <a:t>signature: </a:t>
-            </a:r>
-          </a:p>
-          <a:p>
-            <a:pPr lvl="1">
-              <a:buFont typeface="Arial" panose="020B0604020202020204" pitchFamily="34" charset="0"/>
-              <a:buChar char="•"/>
-            </a:pPr>
-            <a:r>
-              <a:rPr lang="en-US" b="1" dirty="0" smtClean="0">
-                <a:latin typeface="Courier New" panose="02070309020205020404" pitchFamily="49" charset="0"/>
-                <a:cs typeface="Courier New" panose="02070309020205020404" pitchFamily="49" charset="0"/>
-              </a:rPr>
-              <a:t>function link(scope, element, </a:t>
-            </a:r>
-            <a:r>
-              <a:rPr lang="en-US" b="1" dirty="0" err="1" smtClean="0">
-                <a:latin typeface="Courier New" panose="02070309020205020404" pitchFamily="49" charset="0"/>
-                <a:cs typeface="Courier New" panose="02070309020205020404" pitchFamily="49" charset="0"/>
-              </a:rPr>
-              <a:t>attrs</a:t>
-            </a:r>
-            <a:r>
-              <a:rPr lang="en-US" b="1" dirty="0" smtClean="0">
-                <a:latin typeface="Courier New" panose="02070309020205020404" pitchFamily="49" charset="0"/>
-                <a:cs typeface="Courier New" panose="02070309020205020404" pitchFamily="49" charset="0"/>
-              </a:rPr>
-              <a:t>, controller, </a:t>
-            </a:r>
-            <a:r>
-              <a:rPr lang="en-US" b="1" dirty="0" err="1" smtClean="0">
-                <a:latin typeface="Courier New" panose="02070309020205020404" pitchFamily="49" charset="0"/>
-                <a:cs typeface="Courier New" panose="02070309020205020404" pitchFamily="49" charset="0"/>
-              </a:rPr>
-              <a:t>transcludeFn</a:t>
-            </a:r>
-            <a:r>
-              <a:rPr lang="en-US" b="1" dirty="0" smtClean="0">
-                <a:latin typeface="Courier New" panose="02070309020205020404" pitchFamily="49" charset="0"/>
-                <a:cs typeface="Courier New" panose="02070309020205020404" pitchFamily="49" charset="0"/>
-              </a:rPr>
-              <a:t>) { ... }</a:t>
-            </a:r>
-          </a:p>
-          <a:p>
-            <a:pPr lvl="1">
-              <a:buFont typeface="Arial" panose="020B0604020202020204" pitchFamily="34" charset="0"/>
-              <a:buChar char="•"/>
-            </a:pPr>
-            <a:r>
-              <a:rPr lang="en-US" b="1" dirty="0">
-                <a:latin typeface="Courier New" panose="02070309020205020404" pitchFamily="49" charset="0"/>
-                <a:cs typeface="Courier New" panose="02070309020205020404" pitchFamily="49" charset="0"/>
-              </a:rPr>
-              <a:t>scope</a:t>
-            </a:r>
-            <a:r>
-              <a:rPr lang="en-US" dirty="0" smtClean="0"/>
+              <a:t>object</a:t>
+            </a:r>
+            <a:endParaRPr lang="fr-FR" dirty="0"/>
+          </a:p>
+        </p:txBody>
+      </p:sp>
+      <p:sp>
+        <p:nvSpPr>
+          <p:cNvPr id="11" name="Rectangle 10"/>
+          <p:cNvSpPr/>
+          <p:nvPr/>
+        </p:nvSpPr>
+        <p:spPr>
+          <a:xfrm>
+            <a:off x="4129726" y="5554546"/>
+            <a:ext cx="2462792" cy="333172"/>
+          </a:xfrm>
+          <a:prstGeom prst="rect">
+            <a:avLst/>
+          </a:prstGeom>
+          <a:ln/>
+        </p:spPr>
+        <p:style>
+          <a:lnRef idx="2">
+            <a:schemeClr val="accent6"/>
+          </a:lnRef>
+          <a:fillRef idx="1">
+            <a:schemeClr val="lt1"/>
+          </a:fillRef>
+          <a:effectRef idx="0">
+            <a:schemeClr val="accent6"/>
+          </a:effectRef>
+          <a:fontRef idx="minor">
+            <a:schemeClr val="dk1"/>
+          </a:fontRef>
+        </p:style>
+        <p:txBody>
+          <a:bodyPr rtlCol="0" anchor="ctr"/>
+          <a:lstStyle/>
+          <a:p>
+            <a:pPr algn="ctr"/>
+            <a:r>
+              <a:rPr lang="fr-FR" sz="1400" dirty="0"/>
+              <a:t>my-customer-plus-vojta.html</a:t>
+            </a:r>
+            <a:endParaRPr lang="fr-FR" sz="1400" dirty="0" smtClean="0"/>
+          </a:p>
+        </p:txBody>
+      </p:sp>
+      <p:pic>
+        <p:nvPicPr>
+          <p:cNvPr id="13" name="Image 12"/>
+          <p:cNvPicPr>
+            <a:picLocks noChangeAspect="1"/>
+          </p:cNvPicPr>
+          <p:nvPr/>
+        </p:nvPicPr>
+        <p:blipFill>
+          <a:blip r:embed="rId4">
+            <a:extLst>
+              <a:ext uri="{28A0092B-C50C-407E-A947-70E740481C1C}">
+                <a14:useLocalDpi xmlns:a14="http://schemas.microsoft.com/office/drawing/2010/main" val="0"/>
+              </a:ext>
+            </a:extLst>
+          </a:blip>
+          <a:stretch>
+            <a:fillRect/>
+          </a:stretch>
+        </p:blipFill>
+        <p:spPr>
+          <a:xfrm>
+            <a:off x="270243" y="2171642"/>
+            <a:ext cx="4914900" cy="2695575"/>
+          </a:xfrm>
+          <a:prstGeom prst="rect">
+            <a:avLst/>
+          </a:prstGeom>
+        </p:spPr>
+      </p:pic>
+      <p:sp>
+        <p:nvSpPr>
+          <p:cNvPr id="9" name="Rectangle 8"/>
+          <p:cNvSpPr/>
+          <p:nvPr/>
+        </p:nvSpPr>
+        <p:spPr>
+          <a:xfrm>
+            <a:off x="4129726" y="4506526"/>
+            <a:ext cx="1055417" cy="333172"/>
+          </a:xfrm>
+          <a:prstGeom prst="rect">
+            <a:avLst/>
+          </a:prstGeom>
+          <a:ln/>
+        </p:spPr>
+        <p:style>
+          <a:lnRef idx="2">
+            <a:schemeClr val="accent6"/>
+          </a:lnRef>
+          <a:fillRef idx="1">
+            <a:schemeClr val="lt1"/>
+          </a:fillRef>
+          <a:effectRef idx="0">
+            <a:schemeClr val="accent6"/>
+          </a:effectRef>
+          <a:fontRef idx="minor">
+            <a:schemeClr val="dk1"/>
+          </a:fontRef>
+        </p:style>
+        <p:txBody>
+          <a:bodyPr rtlCol="0" anchor="ctr"/>
+          <a:lstStyle/>
+          <a:p>
+            <a:pPr algn="ctr"/>
+            <a:r>
+              <a:rPr lang="fr-FR" sz="1400" dirty="0" smtClean="0"/>
+              <a:t>script.js</a:t>
+            </a:r>
+          </a:p>
+        </p:txBody>
+      </p:sp>
+      <p:sp>
+        <p:nvSpPr>
+          <p:cNvPr id="18" name="Rectangle 17"/>
+          <p:cNvSpPr/>
+          <p:nvPr/>
+        </p:nvSpPr>
+        <p:spPr>
+          <a:xfrm>
+            <a:off x="1020015" y="5554546"/>
+            <a:ext cx="998256" cy="256787"/>
+          </a:xfrm>
+          <a:prstGeom prst="rect">
+            <a:avLst/>
+          </a:prstGeom>
+          <a:noFill/>
+          <a:ln w="28575">
+            <a:solidFill>
+              <a:srgbClr val="00B0F0"/>
+            </a:solidFill>
+          </a:ln>
+        </p:spPr>
+        <p:style>
+          <a:lnRef idx="2">
+            <a:schemeClr val="accent5"/>
+          </a:lnRef>
+          <a:fillRef idx="1">
+            <a:schemeClr val="lt1"/>
+          </a:fillRef>
+          <a:effectRef idx="0">
+            <a:schemeClr val="accent5"/>
+          </a:effectRef>
+          <a:fontRef idx="minor">
+            <a:schemeClr val="dk1"/>
+          </a:fontRef>
+        </p:style>
+        <p:txBody>
+          <a:bodyPr rtlCol="0" anchor="ctr"/>
+          <a:lstStyle/>
+          <a:p>
+            <a:pPr algn="ctr"/>
+            <a:endParaRPr lang="fr-FR" dirty="0" smtClean="0"/>
+          </a:p>
+        </p:txBody>
+      </p:sp>
+      <p:cxnSp>
+        <p:nvCxnSpPr>
+          <p:cNvPr id="19" name="Connecteur droit avec flèche 18"/>
+          <p:cNvCxnSpPr/>
+          <p:nvPr/>
+        </p:nvCxnSpPr>
+        <p:spPr>
+          <a:xfrm flipH="1" flipV="1">
+            <a:off x="1621380" y="5944804"/>
+            <a:ext cx="984874" cy="314005"/>
+          </a:xfrm>
+          <a:prstGeom prst="straightConnector1">
+            <a:avLst/>
+          </a:prstGeom>
+          <a:ln w="38100">
+            <a:solidFill>
+              <a:srgbClr val="00B0F0"/>
+            </a:solidFill>
+            <a:tailEnd type="triangle"/>
+          </a:ln>
+        </p:spPr>
+        <p:style>
+          <a:lnRef idx="1">
+            <a:schemeClr val="accent5"/>
+          </a:lnRef>
+          <a:fillRef idx="0">
+            <a:schemeClr val="accent5"/>
+          </a:fillRef>
+          <a:effectRef idx="0">
+            <a:schemeClr val="accent5"/>
+          </a:effectRef>
+          <a:fontRef idx="minor">
+            <a:schemeClr val="tx1"/>
+          </a:fontRef>
+        </p:style>
+      </p:cxnSp>
+      <p:sp>
+        <p:nvSpPr>
+          <p:cNvPr id="21" name="Rectangle 20"/>
+          <p:cNvSpPr/>
+          <p:nvPr/>
+        </p:nvSpPr>
+        <p:spPr>
+          <a:xfrm>
+            <a:off x="2574870" y="5554545"/>
+            <a:ext cx="1305152" cy="256787"/>
+          </a:xfrm>
+          <a:prstGeom prst="rect">
+            <a:avLst/>
+          </a:prstGeom>
+          <a:noFill/>
+          <a:ln w="28575">
+            <a:solidFill>
+              <a:srgbClr val="00B0F0"/>
+            </a:solidFill>
+          </a:ln>
+        </p:spPr>
+        <p:style>
+          <a:lnRef idx="2">
+            <a:schemeClr val="accent5"/>
+          </a:lnRef>
+          <a:fillRef idx="1">
+            <a:schemeClr val="lt1"/>
+          </a:fillRef>
+          <a:effectRef idx="0">
+            <a:schemeClr val="accent5"/>
+          </a:effectRef>
+          <a:fontRef idx="minor">
+            <a:schemeClr val="dk1"/>
+          </a:fontRef>
+        </p:style>
+        <p:txBody>
+          <a:bodyPr rtlCol="0" anchor="ctr"/>
+          <a:lstStyle/>
+          <a:p>
+            <a:pPr algn="ctr"/>
+            <a:endParaRPr lang="fr-FR" dirty="0" smtClean="0"/>
+          </a:p>
+        </p:txBody>
+      </p:sp>
+      <p:cxnSp>
+        <p:nvCxnSpPr>
+          <p:cNvPr id="23" name="Connecteur droit avec flèche 22"/>
+          <p:cNvCxnSpPr/>
+          <p:nvPr/>
+        </p:nvCxnSpPr>
+        <p:spPr>
+          <a:xfrm flipH="1" flipV="1">
+            <a:off x="2606254" y="5932267"/>
+            <a:ext cx="121438" cy="226815"/>
+          </a:xfrm>
+          <a:prstGeom prst="straightConnector1">
+            <a:avLst/>
+          </a:prstGeom>
+          <a:ln w="38100">
+            <a:solidFill>
+              <a:srgbClr val="00B0F0"/>
+            </a:solidFill>
+            <a:tailEnd type="triangle"/>
+          </a:ln>
+        </p:spPr>
+        <p:style>
+          <a:lnRef idx="1">
+            <a:schemeClr val="accent5"/>
+          </a:lnRef>
+          <a:fillRef idx="0">
+            <a:schemeClr val="accent5"/>
+          </a:fillRef>
+          <a:effectRef idx="0">
+            <a:schemeClr val="accent5"/>
+          </a:effectRef>
+          <a:fontRef idx="minor">
+            <a:schemeClr val="tx1"/>
+          </a:fontRef>
+        </p:style>
+      </p:cxnSp>
+      <p:sp>
+        <p:nvSpPr>
+          <p:cNvPr id="27" name="ZoneTexte 26"/>
+          <p:cNvSpPr txBox="1"/>
+          <p:nvPr/>
+        </p:nvSpPr>
+        <p:spPr>
+          <a:xfrm>
+            <a:off x="2637637" y="6098247"/>
+            <a:ext cx="4815830" cy="646331"/>
+          </a:xfrm>
+          <a:prstGeom prst="rect">
+            <a:avLst/>
+          </a:prstGeom>
+          <a:noFill/>
+        </p:spPr>
+        <p:txBody>
+          <a:bodyPr wrap="square" rtlCol="0">
+            <a:spAutoFit/>
+          </a:bodyPr>
+          <a:lstStyle/>
+          <a:p>
+            <a:r>
+              <a:rPr lang="fr-FR" dirty="0" smtClean="0"/>
+              <a:t>Nothing </a:t>
+            </a:r>
+            <a:r>
+              <a:rPr lang="fr-FR" dirty="0" err="1" smtClean="0"/>
+              <a:t>displayed</a:t>
+            </a:r>
+            <a:r>
+              <a:rPr lang="fr-FR" dirty="0" smtClean="0"/>
+              <a:t> as </a:t>
+            </a:r>
+            <a:r>
+              <a:rPr lang="fr-FR" dirty="0" err="1" smtClean="0"/>
+              <a:t>vojta</a:t>
+            </a:r>
+            <a:r>
+              <a:rPr lang="fr-FR" dirty="0" smtClean="0"/>
               <a:t> </a:t>
             </a:r>
             <a:r>
-              <a:rPr lang="en-US" dirty="0"/>
-              <a:t>is an Angular scope object.</a:t>
-            </a:r>
-          </a:p>
-          <a:p>
-            <a:pPr lvl="1">
-              <a:buFont typeface="Arial" panose="020B0604020202020204" pitchFamily="34" charset="0"/>
-              <a:buChar char="•"/>
-            </a:pPr>
-            <a:r>
-              <a:rPr lang="en-US" b="1" dirty="0">
-                <a:latin typeface="Courier New" panose="02070309020205020404" pitchFamily="49" charset="0"/>
-                <a:cs typeface="Courier New" panose="02070309020205020404" pitchFamily="49" charset="0"/>
-              </a:rPr>
-              <a:t>element</a:t>
-            </a:r>
-            <a:r>
-              <a:rPr lang="en-US" dirty="0"/>
-              <a:t> is the </a:t>
-            </a:r>
-            <a:r>
-              <a:rPr lang="en-US" dirty="0" err="1"/>
-              <a:t>jqLite</a:t>
-            </a:r>
-            <a:r>
-              <a:rPr lang="en-US" dirty="0"/>
-              <a:t>-wrapped element that this directive matches.</a:t>
-            </a:r>
-          </a:p>
-          <a:p>
-            <a:pPr lvl="1">
-              <a:buFont typeface="Arial" panose="020B0604020202020204" pitchFamily="34" charset="0"/>
-              <a:buChar char="•"/>
-            </a:pPr>
-            <a:r>
-              <a:rPr lang="en-US" b="1" dirty="0" err="1">
-                <a:latin typeface="Courier New" panose="02070309020205020404" pitchFamily="49" charset="0"/>
-                <a:cs typeface="Courier New" panose="02070309020205020404" pitchFamily="49" charset="0"/>
-              </a:rPr>
-              <a:t>attrs</a:t>
-            </a:r>
-            <a:r>
-              <a:rPr lang="en-US" dirty="0"/>
-              <a:t> is a hash object with key-value pairs of normalized attribute names and their corresponding attribute values.</a:t>
-            </a:r>
-          </a:p>
-          <a:p>
-            <a:pPr lvl="1">
-              <a:buFont typeface="Arial" panose="020B0604020202020204" pitchFamily="34" charset="0"/>
-              <a:buChar char="•"/>
-            </a:pPr>
-            <a:r>
-              <a:rPr lang="en-US" b="1" dirty="0">
-                <a:latin typeface="Courier New" panose="02070309020205020404" pitchFamily="49" charset="0"/>
-                <a:cs typeface="Courier New" panose="02070309020205020404" pitchFamily="49" charset="0"/>
-              </a:rPr>
+              <a:rPr lang="fr-FR" dirty="0" err="1" smtClean="0"/>
+              <a:t>is</a:t>
+            </a:r>
+            <a:r>
+              <a:rPr lang="fr-FR" dirty="0" smtClean="0"/>
+              <a:t> not </a:t>
+            </a:r>
+            <a:r>
+              <a:rPr lang="fr-FR" dirty="0" err="1" smtClean="0"/>
+              <a:t>defined</a:t>
+            </a:r>
+            <a:r>
+              <a:rPr lang="fr-FR" dirty="0" smtClean="0"/>
+              <a:t> in the directive </a:t>
+            </a:r>
+            <a:r>
+              <a:rPr lang="fr-FR" dirty="0" err="1" smtClean="0"/>
+              <a:t>nor</a:t>
+            </a:r>
+            <a:r>
+              <a:rPr lang="fr-FR" dirty="0" smtClean="0"/>
+              <a:t> </a:t>
+            </a:r>
+            <a:r>
+              <a:rPr lang="fr-FR" dirty="0" err="1" smtClean="0"/>
+              <a:t>inherited</a:t>
+            </a:r>
+            <a:r>
+              <a:rPr lang="fr-FR" dirty="0" smtClean="0"/>
+              <a:t> </a:t>
+            </a:r>
+            <a:r>
+              <a:rPr lang="fr-FR" dirty="0" err="1" smtClean="0"/>
+              <a:t>from</a:t>
+            </a:r>
+            <a:r>
+              <a:rPr lang="fr-FR" dirty="0" smtClean="0"/>
+              <a:t> the </a:t>
+            </a:r>
+            <a:r>
+              <a:rPr lang="fr-FR" dirty="0" err="1" smtClean="0"/>
               <a:t>controller</a:t>
             </a:r>
             <a:r>
-              <a:rPr lang="en-US" dirty="0"/>
-              <a:t> is the directive's required controller instance(s) or its own controller (if any). The exact value depends on the directive's require property.</a:t>
-            </a:r>
-          </a:p>
-          <a:p>
-            <a:pPr lvl="1">
-              <a:buFont typeface="Arial" panose="020B0604020202020204" pitchFamily="34" charset="0"/>
-              <a:buChar char="•"/>
-            </a:pPr>
-            <a:r>
-              <a:rPr lang="en-US" b="1" dirty="0" err="1">
-                <a:latin typeface="Courier New" panose="02070309020205020404" pitchFamily="49" charset="0"/>
-                <a:cs typeface="Courier New" panose="02070309020205020404" pitchFamily="49" charset="0"/>
-              </a:rPr>
-              <a:t>transcludeFn</a:t>
-            </a:r>
-            <a:r>
-              <a:rPr lang="en-US" dirty="0"/>
-              <a:t> is a </a:t>
-            </a:r>
-            <a:r>
-              <a:rPr lang="en-US" dirty="0" err="1"/>
-              <a:t>transclude</a:t>
-            </a:r>
-            <a:r>
-              <a:rPr lang="en-US" dirty="0"/>
-              <a:t> linking function pre-bound to the correct </a:t>
-            </a:r>
-            <a:r>
-              <a:rPr lang="en-US" dirty="0" err="1"/>
-              <a:t>transclusion</a:t>
-            </a:r>
-            <a:r>
-              <a:rPr lang="en-US" dirty="0"/>
-              <a:t> scope.</a:t>
-            </a:r>
-            <a:endParaRPr lang="en-US" dirty="0" smtClean="0"/>
+              <a:rPr lang="fr-FR" dirty="0" smtClean="0"/>
+              <a:t> scope</a:t>
+            </a:r>
+            <a:endParaRPr lang="fr-FR" dirty="0"/>
           </a:p>
         </p:txBody>
       </p:sp>
     </p:spTree>
     <p:extLst>
       <p:ext uri="{BB962C8B-B14F-4D97-AF65-F5344CB8AC3E}">
-        <p14:creationId xmlns:p14="http://schemas.microsoft.com/office/powerpoint/2010/main" val="2504821098"/>
+        <p14:creationId xmlns:p14="http://schemas.microsoft.com/office/powerpoint/2010/main" val="508539088"/>
       </p:ext>
     </p:extLst>
   </p:cSld>
@@ -9783,153 +10290,218 @@
           </a:p>
         </p:txBody>
       </p:sp>
-      <p:pic>
-        <p:nvPicPr>
-          <p:cNvPr id="6" name="Espace réservé du contenu 5"/>
-          <p:cNvPicPr>
-            <a:picLocks noGrp="1" noChangeAspect="1"/>
-          </p:cNvPicPr>
+      <p:sp>
+        <p:nvSpPr>
+          <p:cNvPr id="5" name="Espace réservé du contenu 4"/>
+          <p:cNvSpPr>
+            <a:spLocks noGrp="1"/>
+          </p:cNvSpPr>
           <p:nvPr>
             <p:ph sz="quarter" idx="13"/>
           </p:nvPr>
-        </p:nvPicPr>
-        <p:blipFill>
-          <a:blip r:embed="rId2">
-            <a:extLst>
-              <a:ext uri="{28A0092B-C50C-407E-A947-70E740481C1C}">
-                <a14:useLocalDpi xmlns:a14="http://schemas.microsoft.com/office/drawing/2010/main" val="0"/>
-              </a:ext>
-            </a:extLst>
-          </a:blip>
-          <a:stretch>
-            <a:fillRect/>
-          </a:stretch>
-        </p:blipFill>
-        <p:spPr>
-          <a:xfrm>
-            <a:off x="278481" y="1237178"/>
-            <a:ext cx="5553908" cy="5177515"/>
-          </a:xfrm>
-        </p:spPr>
-      </p:pic>
-      <p:sp>
-        <p:nvSpPr>
-          <p:cNvPr id="8" name="Rectangle 7"/>
-          <p:cNvSpPr/>
-          <p:nvPr/>
-        </p:nvSpPr>
-        <p:spPr>
-          <a:xfrm>
-            <a:off x="4752260" y="6081521"/>
-            <a:ext cx="1055417" cy="333172"/>
-          </a:xfrm>
-          <a:prstGeom prst="rect">
-            <a:avLst/>
-          </a:prstGeom>
-          <a:ln/>
-        </p:spPr>
-        <p:style>
-          <a:lnRef idx="2">
-            <a:schemeClr val="accent6"/>
-          </a:lnRef>
-          <a:fillRef idx="1">
-            <a:schemeClr val="lt1"/>
-          </a:fillRef>
-          <a:effectRef idx="0">
-            <a:schemeClr val="accent6"/>
-          </a:effectRef>
-          <a:fontRef idx="minor">
-            <a:schemeClr val="dk1"/>
-          </a:fontRef>
-        </p:style>
-        <p:txBody>
-          <a:bodyPr rtlCol="0" anchor="ctr"/>
-          <a:lstStyle/>
-          <a:p>
-            <a:pPr algn="ctr"/>
-            <a:r>
-              <a:rPr lang="fr-FR" sz="1400" dirty="0" smtClean="0"/>
-              <a:t>script.js</a:t>
-            </a:r>
-          </a:p>
-        </p:txBody>
-      </p:sp>
-      <p:pic>
-        <p:nvPicPr>
-          <p:cNvPr id="10" name="Image 9"/>
-          <p:cNvPicPr>
-            <a:picLocks noChangeAspect="1"/>
-          </p:cNvPicPr>
-          <p:nvPr/>
-        </p:nvPicPr>
-        <p:blipFill>
-          <a:blip r:embed="rId3">
-            <a:extLst>
-              <a:ext uri="{28A0092B-C50C-407E-A947-70E740481C1C}">
-                <a14:useLocalDpi xmlns:a14="http://schemas.microsoft.com/office/drawing/2010/main" val="0"/>
-              </a:ext>
-            </a:extLst>
-          </a:blip>
-          <a:stretch>
-            <a:fillRect/>
-          </a:stretch>
-        </p:blipFill>
-        <p:spPr>
-          <a:xfrm>
-            <a:off x="4241457" y="2419069"/>
-            <a:ext cx="4716996" cy="1090249"/>
-          </a:xfrm>
-          <a:prstGeom prst="rect">
-            <a:avLst/>
-          </a:prstGeom>
-        </p:spPr>
-      </p:pic>
-      <p:sp>
-        <p:nvSpPr>
-          <p:cNvPr id="11" name="Rectangle 10"/>
-          <p:cNvSpPr/>
-          <p:nvPr/>
-        </p:nvSpPr>
-        <p:spPr>
-          <a:xfrm>
-            <a:off x="7903036" y="3270340"/>
-            <a:ext cx="1055417" cy="333172"/>
-          </a:xfrm>
-          <a:prstGeom prst="rect">
-            <a:avLst/>
-          </a:prstGeom>
-          <a:ln/>
-        </p:spPr>
-        <p:style>
-          <a:lnRef idx="2">
-            <a:schemeClr val="accent6"/>
-          </a:lnRef>
-          <a:fillRef idx="1">
-            <a:schemeClr val="lt1"/>
-          </a:fillRef>
-          <a:effectRef idx="0">
-            <a:schemeClr val="accent6"/>
-          </a:effectRef>
-          <a:fontRef idx="minor">
-            <a:schemeClr val="dk1"/>
-          </a:fontRef>
-        </p:style>
-        <p:txBody>
-          <a:bodyPr rtlCol="0" anchor="ctr"/>
-          <a:lstStyle/>
-          <a:p>
-            <a:pPr algn="ctr"/>
-            <a:r>
-              <a:rPr lang="fr-FR" sz="1400" dirty="0" smtClean="0"/>
-              <a:t>index.html</a:t>
-            </a:r>
+        </p:nvSpPr>
+        <p:spPr/>
+        <p:txBody>
+          <a:bodyPr/>
+          <a:lstStyle/>
+          <a:p>
+            <a:pPr>
+              <a:buFont typeface="Arial" panose="020B0604020202020204" pitchFamily="34" charset="0"/>
+              <a:buChar char="•"/>
+            </a:pPr>
+            <a:r>
+              <a:rPr lang="en-US" dirty="0"/>
+              <a:t>Directives that want to modify the DOM </a:t>
+            </a:r>
+            <a:r>
+              <a:rPr lang="en-US" dirty="0" smtClean="0"/>
+              <a:t>use </a:t>
+            </a:r>
+            <a:r>
+              <a:rPr lang="en-US" dirty="0"/>
+              <a:t>the link option. </a:t>
+            </a:r>
+            <a:endParaRPr lang="en-US" dirty="0" smtClean="0"/>
+          </a:p>
+          <a:p>
+            <a:pPr>
+              <a:buFont typeface="Arial" panose="020B0604020202020204" pitchFamily="34" charset="0"/>
+              <a:buChar char="•"/>
+            </a:pPr>
+            <a:r>
+              <a:rPr lang="en-US" dirty="0" smtClean="0"/>
+              <a:t>link </a:t>
+            </a:r>
+            <a:r>
+              <a:rPr lang="en-US" dirty="0"/>
+              <a:t>takes a function with the following </a:t>
+            </a:r>
+            <a:r>
+              <a:rPr lang="en-US" dirty="0" smtClean="0"/>
+              <a:t>signature: </a:t>
+            </a:r>
+          </a:p>
+          <a:p>
+            <a:pPr lvl="1">
+              <a:buFont typeface="Arial" panose="020B0604020202020204" pitchFamily="34" charset="0"/>
+              <a:buChar char="•"/>
+            </a:pPr>
+            <a:r>
+              <a:rPr lang="en-US" b="1" dirty="0" smtClean="0">
+                <a:latin typeface="Courier New" panose="02070309020205020404" pitchFamily="49" charset="0"/>
+                <a:cs typeface="Courier New" panose="02070309020205020404" pitchFamily="49" charset="0"/>
+              </a:rPr>
+              <a:t>function link(scope, element, </a:t>
+            </a:r>
+            <a:r>
+              <a:rPr lang="en-US" b="1" dirty="0" err="1" smtClean="0">
+                <a:latin typeface="Courier New" panose="02070309020205020404" pitchFamily="49" charset="0"/>
+                <a:cs typeface="Courier New" panose="02070309020205020404" pitchFamily="49" charset="0"/>
+              </a:rPr>
+              <a:t>attrs</a:t>
+            </a:r>
+            <a:r>
+              <a:rPr lang="en-US" b="1" dirty="0" smtClean="0">
+                <a:latin typeface="Courier New" panose="02070309020205020404" pitchFamily="49" charset="0"/>
+                <a:cs typeface="Courier New" panose="02070309020205020404" pitchFamily="49" charset="0"/>
+              </a:rPr>
+              <a:t>, controller, </a:t>
+            </a:r>
+            <a:r>
+              <a:rPr lang="en-US" b="1" dirty="0" err="1" smtClean="0">
+                <a:latin typeface="Courier New" panose="02070309020205020404" pitchFamily="49" charset="0"/>
+                <a:cs typeface="Courier New" panose="02070309020205020404" pitchFamily="49" charset="0"/>
+              </a:rPr>
+              <a:t>transcludeFn</a:t>
+            </a:r>
+            <a:r>
+              <a:rPr lang="en-US" b="1" dirty="0" smtClean="0">
+                <a:latin typeface="Courier New" panose="02070309020205020404" pitchFamily="49" charset="0"/>
+                <a:cs typeface="Courier New" panose="02070309020205020404" pitchFamily="49" charset="0"/>
+              </a:rPr>
+              <a:t>) { ... }</a:t>
+            </a:r>
+          </a:p>
+          <a:p>
+            <a:pPr lvl="1">
+              <a:buFont typeface="Arial" panose="020B0604020202020204" pitchFamily="34" charset="0"/>
+              <a:buChar char="•"/>
+            </a:pPr>
+            <a:r>
+              <a:rPr lang="en-US" b="1" dirty="0">
+                <a:latin typeface="Courier New" panose="02070309020205020404" pitchFamily="49" charset="0"/>
+                <a:cs typeface="Courier New" panose="02070309020205020404" pitchFamily="49" charset="0"/>
+              </a:rPr>
+              <a:t>scope</a:t>
+            </a:r>
+            <a:r>
+              <a:rPr lang="en-US" dirty="0" smtClean="0"/>
+              <a:t> </a:t>
+            </a:r>
+            <a:r>
+              <a:rPr lang="en-US" dirty="0"/>
+              <a:t>is an Angular scope object.</a:t>
+            </a:r>
+          </a:p>
+          <a:p>
+            <a:pPr lvl="1">
+              <a:buFont typeface="Arial" panose="020B0604020202020204" pitchFamily="34" charset="0"/>
+              <a:buChar char="•"/>
+            </a:pPr>
+            <a:r>
+              <a:rPr lang="en-US" b="1" dirty="0">
+                <a:latin typeface="Courier New" panose="02070309020205020404" pitchFamily="49" charset="0"/>
+                <a:cs typeface="Courier New" panose="02070309020205020404" pitchFamily="49" charset="0"/>
+              </a:rPr>
+              <a:t>element</a:t>
+            </a:r>
+            <a:r>
+              <a:rPr lang="en-US" dirty="0"/>
+              <a:t> is the </a:t>
+            </a:r>
+            <a:r>
+              <a:rPr lang="en-US" dirty="0" err="1"/>
+              <a:t>jqLite</a:t>
+            </a:r>
+            <a:r>
+              <a:rPr lang="en-US" dirty="0"/>
+              <a:t>-wrapped element that this directive matches.</a:t>
+            </a:r>
+          </a:p>
+          <a:p>
+            <a:pPr lvl="1">
+              <a:buFont typeface="Arial" panose="020B0604020202020204" pitchFamily="34" charset="0"/>
+              <a:buChar char="•"/>
+            </a:pPr>
+            <a:r>
+              <a:rPr lang="en-US" b="1" dirty="0" err="1">
+                <a:latin typeface="Courier New" panose="02070309020205020404" pitchFamily="49" charset="0"/>
+                <a:cs typeface="Courier New" panose="02070309020205020404" pitchFamily="49" charset="0"/>
+              </a:rPr>
+              <a:t>attrs</a:t>
+            </a:r>
+            <a:r>
+              <a:rPr lang="en-US" dirty="0"/>
+              <a:t> is a hash object with key-value pairs of normalized attribute names and their corresponding attribute values.</a:t>
+            </a:r>
+          </a:p>
+          <a:p>
+            <a:pPr lvl="1">
+              <a:buFont typeface="Arial" panose="020B0604020202020204" pitchFamily="34" charset="0"/>
+              <a:buChar char="•"/>
+            </a:pPr>
+            <a:r>
+              <a:rPr lang="en-US" b="1" dirty="0">
+                <a:latin typeface="Courier New" panose="02070309020205020404" pitchFamily="49" charset="0"/>
+                <a:cs typeface="Courier New" panose="02070309020205020404" pitchFamily="49" charset="0"/>
+              </a:rPr>
+              <a:t>controller</a:t>
+            </a:r>
+            <a:r>
+              <a:rPr lang="en-US" dirty="0"/>
+              <a:t> is the directive's required controller instance(s) or its own controller (if any). The exact value depends on the directive's require property.</a:t>
+            </a:r>
+          </a:p>
+          <a:p>
+            <a:pPr lvl="1">
+              <a:buFont typeface="Arial" panose="020B0604020202020204" pitchFamily="34" charset="0"/>
+              <a:buChar char="•"/>
+            </a:pPr>
+            <a:r>
+              <a:rPr lang="en-US" b="1" dirty="0" err="1">
+                <a:latin typeface="Courier New" panose="02070309020205020404" pitchFamily="49" charset="0"/>
+                <a:cs typeface="Courier New" panose="02070309020205020404" pitchFamily="49" charset="0"/>
+              </a:rPr>
+              <a:t>transcludeFn</a:t>
+            </a:r>
+            <a:r>
+              <a:rPr lang="en-US" dirty="0"/>
+              <a:t> is a </a:t>
+            </a:r>
+            <a:r>
+              <a:rPr lang="en-US" dirty="0" err="1"/>
+              <a:t>transclude</a:t>
+            </a:r>
+            <a:r>
+              <a:rPr lang="en-US" dirty="0"/>
+              <a:t> linking function pre-bound to the correct </a:t>
+            </a:r>
+            <a:r>
+              <a:rPr lang="en-US" dirty="0" err="1"/>
+              <a:t>transclusion</a:t>
+            </a:r>
+            <a:r>
+              <a:rPr lang="en-US" dirty="0"/>
+              <a:t> scope.</a:t>
+            </a:r>
+            <a:endParaRPr lang="en-US" dirty="0" smtClean="0"/>
           </a:p>
         </p:txBody>
       </p:sp>
     </p:spTree>
     <p:extLst>
       <p:ext uri="{BB962C8B-B14F-4D97-AF65-F5344CB8AC3E}">
-        <p14:creationId xmlns:p14="http://schemas.microsoft.com/office/powerpoint/2010/main" val="595307669"/>
+        <p14:creationId xmlns:p14="http://schemas.microsoft.com/office/powerpoint/2010/main" val="2504821098"/>
       </p:ext>
     </p:extLst>
   </p:cSld>
@@ -9973,7 +10545,7 @@
           <a:p>
             <a:r>
               <a:rPr lang="en-US" dirty="0"/>
-              <a:t>Creating a Directive that Adds Event Listeners</a:t>
+              <a:t>Creating a Directive that Manipulates the DOM</a:t>
             </a:r>
           </a:p>
         </p:txBody>
@@ -10027,7 +10599,7 @@
       </p:sp>
       <p:pic>
         <p:nvPicPr>
-          <p:cNvPr id="9" name="Espace réservé du contenu 8"/>
+          <p:cNvPr id="6" name="Espace réservé du contenu 5"/>
           <p:cNvPicPr>
             <a:picLocks noGrp="1" noChangeAspect="1"/>
           </p:cNvPicPr>
@@ -10049,14 +10621,56 @@
         </p:blipFill>
         <p:spPr>
           <a:xfrm>
-            <a:off x="236773" y="1112387"/>
-            <a:ext cx="5133975" cy="3876675"/>
+            <a:off x="278481" y="1237178"/>
+            <a:ext cx="5553908" cy="5177515"/>
           </a:xfrm>
         </p:spPr>
       </p:pic>
+      <p:sp>
+        <p:nvSpPr>
+          <p:cNvPr id="8" name="Rectangle 7"/>
+          <p:cNvSpPr/>
+          <p:nvPr/>
+        </p:nvSpPr>
+        <p:spPr>
+          <a:xfrm>
+            <a:off x="4752260" y="6081521"/>
+            <a:ext cx="1055417" cy="333172"/>
+          </a:xfrm>
+          <a:prstGeom prst="rect">
+            <a:avLst/>
+          </a:prstGeom>
+          <a:ln/>
+        </p:spPr>
+        <p:style>
+          <a:lnRef idx="2">
+            <a:schemeClr val="accent6"/>
+          </a:lnRef>
+          <a:fillRef idx="1">
+            <a:schemeClr val="lt1"/>
+          </a:fillRef>
+          <a:effectRef idx="0">
+            <a:schemeClr val="accent6"/>
+          </a:effectRef>
+          <a:fontRef idx="minor">
+            <a:schemeClr val="dk1"/>
+          </a:fontRef>
+        </p:style>
+        <p:txBody>
+          <a:bodyPr rtlCol="0" anchor="ctr"/>
+          <a:lstStyle/>
+          <a:p>
+            <a:pPr algn="ctr"/>
+            <a:r>
+              <a:rPr lang="fr-FR" sz="1400" dirty="0" smtClean="0"/>
+              <a:t>script.js</a:t>
+            </a:r>
+          </a:p>
+        </p:txBody>
+      </p:sp>
       <p:pic>
         <p:nvPicPr>
-          <p:cNvPr id="13" name="Image 12"/>
+          <p:cNvPr id="10" name="Image 9"/>
           <p:cNvPicPr>
             <a:picLocks noChangeAspect="1"/>
           </p:cNvPicPr>
@@ -10076,8 +10690,8 @@
         </p:blipFill>
         <p:spPr>
           <a:xfrm>
-            <a:off x="236773" y="5502747"/>
-            <a:ext cx="2895600" cy="485775"/>
+            <a:off x="4241457" y="2419069"/>
+            <a:ext cx="4716996" cy="1090249"/>
           </a:xfrm>
           <a:prstGeom prst="rect">
             <a:avLst/>
@@ -10086,13 +10700,13 @@
       </p:pic>
       <p:sp>
         <p:nvSpPr>
-          <p:cNvPr id="14" name="Rectangle 13"/>
+          <p:cNvPr id="11" name="Rectangle 10"/>
           <p:cNvSpPr/>
           <p:nvPr/>
         </p:nvSpPr>
         <p:spPr>
           <a:xfrm>
-            <a:off x="4315331" y="4655890"/>
+            <a:off x="7903036" y="3270340"/>
             <a:ext cx="1055417" cy="333172"/>
           </a:xfrm>
           <a:prstGeom prst="rect">
@@ -10121,20 +10735,49 @@
             <a:pPr algn="ctr"/>
             <a:r>
               <a:rPr lang="fr-FR" sz="1400" dirty="0" smtClean="0"/>
-              <a:t>script.js</a:t>
-            </a:r>
-          </a:p>
-        </p:txBody>
-      </p:sp>
-      <p:sp>
-        <p:nvSpPr>
-          <p:cNvPr id="15" name="Rectangle 14"/>
+              <a:t>index.html</a:t>
+            </a:r>
+          </a:p>
+        </p:txBody>
+      </p:sp>
+      <p:pic>
+        <p:nvPicPr>
+          <p:cNvPr id="7" name="Image 6"/>
+          <p:cNvPicPr>
+            <a:picLocks noChangeAspect="1"/>
+          </p:cNvPicPr>
+          <p:nvPr/>
+        </p:nvPicPr>
+        <p:blipFill rotWithShape="1">
+          <a:blip r:embed="rId4">
+            <a:extLst>
+              <a:ext uri="{28A0092B-C50C-407E-A947-70E740481C1C}">
+                <a14:useLocalDpi xmlns:a14="http://schemas.microsoft.com/office/drawing/2010/main" val="0"/>
+              </a:ext>
+            </a:extLst>
+          </a:blip>
+          <a:srcRect r="21809"/>
+          <a:stretch/>
+        </p:blipFill>
+        <p:spPr>
+          <a:xfrm>
+            <a:off x="5011970" y="3997583"/>
+            <a:ext cx="3448290" cy="914400"/>
+          </a:xfrm>
+          <a:prstGeom prst="rect">
+            <a:avLst/>
+          </a:prstGeom>
+        </p:spPr>
+      </p:pic>
+      <p:sp>
+        <p:nvSpPr>
+          <p:cNvPr id="12" name="Rectangle 11"/>
           <p:cNvSpPr/>
           <p:nvPr/>
         </p:nvSpPr>
         <p:spPr>
           <a:xfrm>
-            <a:off x="2894431" y="5773924"/>
+            <a:off x="7722000" y="4675912"/>
             <a:ext cx="1055417" cy="333172"/>
           </a:xfrm>
           <a:prstGeom prst="rect">
@@ -10162,16 +10805,17 @@
           <a:p>
             <a:pPr algn="ctr"/>
             <a:r>
-              <a:rPr lang="fr-FR" sz="1400" dirty="0" smtClean="0"/>
-              <a:t>index.html</a:t>
-            </a:r>
+              <a:rPr lang="fr-FR" sz="1400" dirty="0" err="1" smtClean="0"/>
+              <a:t>result</a:t>
+            </a:r>
+            <a:endParaRPr lang="fr-FR" sz="1400" dirty="0" smtClean="0"/>
           </a:p>
         </p:txBody>
       </p:sp>
     </p:spTree>
     <p:extLst>
       <p:ext uri="{BB962C8B-B14F-4D97-AF65-F5344CB8AC3E}">
-        <p14:creationId xmlns:p14="http://schemas.microsoft.com/office/powerpoint/2010/main" val="515240796"/>
+        <p14:creationId xmlns:p14="http://schemas.microsoft.com/office/powerpoint/2010/main" val="595307669"/>
       </p:ext>
     </p:extLst>
   </p:cSld>
@@ -10214,32 +10858,62 @@
           <a:lstStyle/>
           <a:p>
             <a:r>
-              <a:rPr lang="fr-FR" dirty="0" err="1"/>
-              <a:t>Creating</a:t>
-            </a:r>
-            <a:r>
-              <a:rPr lang="fr-FR" dirty="0"/>
-              <a:t> Directives </a:t>
-            </a:r>
-            <a:r>
-              <a:rPr lang="fr-FR" dirty="0" err="1"/>
-              <a:t>that</a:t>
-            </a:r>
-            <a:r>
-              <a:rPr lang="fr-FR" dirty="0"/>
-              <a:t> </a:t>
-            </a:r>
-            <a:r>
-              <a:rPr lang="fr-FR" dirty="0" err="1"/>
-              <a:t>Communicate</a:t>
-            </a:r>
+              <a:rPr lang="en-US" dirty="0"/>
+              <a:t>Creating a Directive that Adds Event Listeners</a:t>
+            </a:r>
+          </a:p>
+        </p:txBody>
+      </p:sp>
+      <p:sp>
+        <p:nvSpPr>
+          <p:cNvPr id="3" name="Espace réservé du pied de page 2"/>
+          <p:cNvSpPr>
+            <a:spLocks noGrp="1"/>
+          </p:cNvSpPr>
+          <p:nvPr>
+            <p:ph type="ftr" sz="quarter" idx="11"/>
+          </p:nvPr>
+        </p:nvSpPr>
+        <p:spPr/>
+        <p:txBody>
+          <a:bodyPr/>
+          <a:lstStyle/>
+          <a:p>
+            <a:r>
+              <a:rPr lang="fr-FR" dirty="0" smtClean="0"/>
+              <a:t>Nom de la présentation</a:t>
+            </a:r>
+            <a:endParaRPr lang="fr-FR" dirty="0"/>
+          </a:p>
+        </p:txBody>
+      </p:sp>
+      <p:sp>
+        <p:nvSpPr>
+          <p:cNvPr id="4" name="Espace réservé du numéro de diapositive 3"/>
+          <p:cNvSpPr>
+            <a:spLocks noGrp="1"/>
+          </p:cNvSpPr>
+          <p:nvPr>
+            <p:ph type="sldNum" sz="quarter" idx="12"/>
+          </p:nvPr>
+        </p:nvSpPr>
+        <p:spPr/>
+        <p:txBody>
+          <a:bodyPr/>
+          <a:lstStyle/>
+          <a:p>
+            <a:fld id="{AF43E6FD-AB27-4108-A2FC-346BB5F75E3F}" type="slidenum">
+              <a:rPr lang="fr-FR" smtClean="0"/>
+              <a:pPr/>
+              <a:t>14</a:t>
+            </a:fld>
             <a:endParaRPr lang="fr-FR" dirty="0"/>
           </a:p>
         </p:txBody>
       </p:sp>
       <p:pic>
         <p:nvPicPr>
-          <p:cNvPr id="6" name="Espace réservé du contenu 5"/>
+          <p:cNvPr id="9" name="Espace réservé du contenu 8"/>
           <p:cNvPicPr>
             <a:picLocks noGrp="1" noChangeAspect="1"/>
           </p:cNvPicPr>
@@ -10247,7 +10921,7 @@
             <p:ph sz="quarter" idx="13"/>
           </p:nvPr>
         </p:nvPicPr>
-        <p:blipFill rotWithShape="1">
+        <p:blipFill>
           <a:blip r:embed="rId2">
             <a:extLst>
               <a:ext uri="{28A0092B-C50C-407E-A947-70E740481C1C}">
@@ -10255,19 +10929,20 @@
               </a:ext>
             </a:extLst>
           </a:blip>
-          <a:srcRect r="13649"/>
-          <a:stretch/>
+          <a:stretch>
+            <a:fillRect/>
+          </a:stretch>
         </p:blipFill>
         <p:spPr>
           <a:xfrm>
-            <a:off x="138692" y="1200944"/>
-            <a:ext cx="4392119" cy="4638675"/>
+            <a:off x="236773" y="1112387"/>
+            <a:ext cx="5133975" cy="3876675"/>
           </a:xfrm>
         </p:spPr>
       </p:pic>
       <p:pic>
         <p:nvPicPr>
-          <p:cNvPr id="7" name="Image 6"/>
+          <p:cNvPr id="13" name="Image 12"/>
           <p:cNvPicPr>
             <a:picLocks noChangeAspect="1"/>
           </p:cNvPicPr>
@@ -10287,8 +10962,8 @@
         </p:blipFill>
         <p:spPr>
           <a:xfrm>
-            <a:off x="4649873" y="2002180"/>
-            <a:ext cx="4029075" cy="2524125"/>
+            <a:off x="236773" y="5502747"/>
+            <a:ext cx="2895600" cy="485775"/>
           </a:xfrm>
           <a:prstGeom prst="rect">
             <a:avLst/>
@@ -10297,13 +10972,13 @@
       </p:pic>
       <p:sp>
         <p:nvSpPr>
-          <p:cNvPr id="12" name="Rectangle 11"/>
+          <p:cNvPr id="14" name="Rectangle 13"/>
           <p:cNvSpPr/>
           <p:nvPr/>
         </p:nvSpPr>
         <p:spPr>
           <a:xfrm>
-            <a:off x="7623531" y="4193133"/>
+            <a:off x="4315331" y="4655890"/>
             <a:ext cx="1055417" cy="333172"/>
           </a:xfrm>
           <a:prstGeom prst="rect">
@@ -10337,10 +11012,52 @@
           </a:p>
         </p:txBody>
       </p:sp>
+      <p:sp>
+        <p:nvSpPr>
+          <p:cNvPr id="15" name="Rectangle 14"/>
+          <p:cNvSpPr/>
+          <p:nvPr/>
+        </p:nvSpPr>
+        <p:spPr>
+          <a:xfrm>
+            <a:off x="2894431" y="5773924"/>
+            <a:ext cx="1055417" cy="333172"/>
+          </a:xfrm>
+          <a:prstGeom prst="rect">
+            <a:avLst/>
+          </a:prstGeom>
+          <a:ln/>
+        </p:spPr>
+        <p:style>
+          <a:lnRef idx="2">
+            <a:schemeClr val="accent6"/>
+          </a:lnRef>
+          <a:fillRef idx="1">
+            <a:schemeClr val="lt1"/>
+          </a:fillRef>
+          <a:effectRef idx="0">
+            <a:schemeClr val="accent6"/>
+          </a:effectRef>
+          <a:fontRef idx="minor">
+            <a:schemeClr val="dk1"/>
+          </a:fontRef>
+        </p:style>
+        <p:txBody>
+          <a:bodyPr rtlCol="0" anchor="ctr"/>
+          <a:lstStyle/>
+          <a:p>
+            <a:pPr algn="ctr"/>
+            <a:r>
+              <a:rPr lang="fr-FR" sz="1400" dirty="0" smtClean="0"/>
+              <a:t>index.html</a:t>
+            </a:r>
+          </a:p>
+        </p:txBody>
+      </p:sp>
     </p:spTree>
     <p:extLst>
       <p:ext uri="{BB962C8B-B14F-4D97-AF65-F5344CB8AC3E}">
-        <p14:creationId xmlns:p14="http://schemas.microsoft.com/office/powerpoint/2010/main" val="1082039937"/>
+        <p14:creationId xmlns:p14="http://schemas.microsoft.com/office/powerpoint/2010/main" val="515240796"/>
       </p:ext>
     </p:extLst>
   </p:cSld>
@@ -10408,7 +11125,7 @@
       </p:sp>
       <p:pic>
         <p:nvPicPr>
-          <p:cNvPr id="11" name="Espace réservé du contenu 10"/>
+          <p:cNvPr id="6" name="Espace réservé du contenu 5"/>
           <p:cNvPicPr>
             <a:picLocks noGrp="1" noChangeAspect="1"/>
           </p:cNvPicPr>
@@ -10416,7 +11133,7 @@
             <p:ph sz="quarter" idx="13"/>
           </p:nvPr>
         </p:nvPicPr>
-        <p:blipFill>
+        <p:blipFill rotWithShape="1">
           <a:blip r:embed="rId2">
             <a:extLst>
               <a:ext uri="{28A0092B-C50C-407E-A947-70E740481C1C}">
@@ -10424,20 +11141,19 @@
               </a:ext>
             </a:extLst>
           </a:blip>
-          <a:stretch>
-            <a:fillRect/>
-          </a:stretch>
+          <a:srcRect r="13649"/>
+          <a:stretch/>
         </p:blipFill>
         <p:spPr>
           <a:xfrm>
-            <a:off x="243080" y="1290015"/>
-            <a:ext cx="4943475" cy="1857375"/>
+            <a:off x="138692" y="1200944"/>
+            <a:ext cx="4392119" cy="4638675"/>
           </a:xfrm>
         </p:spPr>
       </p:pic>
       <p:pic>
         <p:nvPicPr>
-          <p:cNvPr id="16" name="Image 15"/>
+          <p:cNvPr id="7" name="Image 6"/>
           <p:cNvPicPr>
             <a:picLocks noChangeAspect="1"/>
           </p:cNvPicPr>
@@ -10457,53 +11173,23 @@
         </p:blipFill>
         <p:spPr>
           <a:xfrm>
-            <a:off x="243080" y="3147390"/>
-            <a:ext cx="4933950" cy="1676400"/>
+            <a:off x="4649873" y="2002180"/>
+            <a:ext cx="4029075" cy="2524125"/>
           </a:xfrm>
           <a:prstGeom prst="rect">
             <a:avLst/>
           </a:prstGeom>
         </p:spPr>
       </p:pic>
-      <p:pic>
-        <p:nvPicPr>
-          <p:cNvPr id="17" name="Image 16"/>
-          <p:cNvPicPr>
-            <a:picLocks noChangeAspect="1"/>
-          </p:cNvPicPr>
-          <p:nvPr/>
-        </p:nvPicPr>
-        <p:blipFill>
-          <a:blip r:embed="rId4">
-            <a:extLst>
-              <a:ext uri="{28A0092B-C50C-407E-A947-70E740481C1C}">
-                <a14:useLocalDpi xmlns:a14="http://schemas.microsoft.com/office/drawing/2010/main" val="0"/>
-              </a:ext>
-            </a:extLst>
-          </a:blip>
-          <a:stretch>
-            <a:fillRect/>
-          </a:stretch>
-        </p:blipFill>
-        <p:spPr>
-          <a:xfrm>
-            <a:off x="173252" y="4909107"/>
-            <a:ext cx="3409950" cy="1076325"/>
-          </a:xfrm>
-          <a:prstGeom prst="rect">
-            <a:avLst/>
-          </a:prstGeom>
-        </p:spPr>
-      </p:pic>
-      <p:sp>
-        <p:nvSpPr>
-          <p:cNvPr id="18" name="Rectangle 17"/>
+      <p:sp>
+        <p:nvSpPr>
+          <p:cNvPr id="12" name="Rectangle 11"/>
           <p:cNvSpPr/>
           <p:nvPr/>
         </p:nvSpPr>
         <p:spPr>
           <a:xfrm>
-            <a:off x="4131138" y="2737212"/>
+            <a:off x="7623531" y="4193133"/>
             <a:ext cx="1055417" cy="333172"/>
           </a:xfrm>
           <a:prstGeom prst="rect">
@@ -10532,91 +11218,7 @@
             <a:pPr algn="ctr"/>
             <a:r>
               <a:rPr lang="fr-FR" sz="1400" dirty="0" smtClean="0"/>
-              <a:t>index.html</a:t>
-            </a:r>
-          </a:p>
-        </p:txBody>
-      </p:sp>
-      <p:sp>
-        <p:nvSpPr>
-          <p:cNvPr id="19" name="Rectangle 18"/>
-          <p:cNvSpPr/>
-          <p:nvPr/>
-        </p:nvSpPr>
-        <p:spPr>
-          <a:xfrm>
-            <a:off x="3821533" y="4428001"/>
-            <a:ext cx="1491186" cy="333172"/>
-          </a:xfrm>
-          <a:prstGeom prst="rect">
-            <a:avLst/>
-          </a:prstGeom>
-          <a:ln/>
-        </p:spPr>
-        <p:style>
-          <a:lnRef idx="2">
-            <a:schemeClr val="accent6"/>
-          </a:lnRef>
-          <a:fillRef idx="1">
-            <a:schemeClr val="lt1"/>
-          </a:fillRef>
-          <a:effectRef idx="0">
-            <a:schemeClr val="accent6"/>
-          </a:effectRef>
-          <a:fontRef idx="minor">
-            <a:schemeClr val="dk1"/>
-          </a:fontRef>
-        </p:style>
-        <p:txBody>
-          <a:bodyPr rtlCol="0" anchor="ctr"/>
-          <a:lstStyle/>
-          <a:p>
-            <a:pPr algn="ctr"/>
-            <a:r>
-              <a:rPr lang="fr-FR" sz="1400" dirty="0" smtClean="0"/>
-              <a:t>my-tabs.html</a:t>
-            </a:r>
-          </a:p>
-        </p:txBody>
-      </p:sp>
-      <p:sp>
-        <p:nvSpPr>
-          <p:cNvPr id="20" name="Rectangle 19"/>
-          <p:cNvSpPr/>
-          <p:nvPr/>
-        </p:nvSpPr>
-        <p:spPr>
-          <a:xfrm>
-            <a:off x="2639952" y="5560704"/>
-            <a:ext cx="1491186" cy="333172"/>
-          </a:xfrm>
-          <a:prstGeom prst="rect">
-            <a:avLst/>
-          </a:prstGeom>
-          <a:ln/>
-        </p:spPr>
-        <p:style>
-          <a:lnRef idx="2">
-            <a:schemeClr val="accent6"/>
-          </a:lnRef>
-          <a:fillRef idx="1">
-            <a:schemeClr val="lt1"/>
-          </a:fillRef>
-          <a:effectRef idx="0">
-            <a:schemeClr val="accent6"/>
-          </a:effectRef>
-          <a:fontRef idx="minor">
-            <a:schemeClr val="dk1"/>
-          </a:fontRef>
-        </p:style>
-        <p:txBody>
-          <a:bodyPr rtlCol="0" anchor="ctr"/>
-          <a:lstStyle/>
-          <a:p>
-            <a:pPr algn="ctr"/>
-            <a:r>
-              <a:rPr lang="fr-FR" sz="1400" dirty="0" smtClean="0"/>
-              <a:t>my-pane.html</a:t>
+              <a:t>script.js</a:t>
             </a:r>
           </a:p>
         </p:txBody>
@@ -10624,7 +11226,7 @@
     </p:spTree>
     <p:extLst>
       <p:ext uri="{BB962C8B-B14F-4D97-AF65-F5344CB8AC3E}">
-        <p14:creationId xmlns:p14="http://schemas.microsoft.com/office/powerpoint/2010/main" val="688794793"/>
+        <p14:creationId xmlns:p14="http://schemas.microsoft.com/office/powerpoint/2010/main" val="1082039937"/>
       </p:ext>
     </p:extLst>
   </p:cSld>
@@ -10690,6 +11292,290 @@
           </a:p>
         </p:txBody>
       </p:sp>
+      <p:pic>
+        <p:nvPicPr>
+          <p:cNvPr id="11" name="Espace réservé du contenu 10"/>
+          <p:cNvPicPr>
+            <a:picLocks noGrp="1" noChangeAspect="1"/>
+          </p:cNvPicPr>
+          <p:nvPr>
+            <p:ph sz="quarter" idx="13"/>
+          </p:nvPr>
+        </p:nvPicPr>
+        <p:blipFill>
+          <a:blip r:embed="rId2">
+            <a:extLst>
+              <a:ext uri="{28A0092B-C50C-407E-A947-70E740481C1C}">
+                <a14:useLocalDpi xmlns:a14="http://schemas.microsoft.com/office/drawing/2010/main" val="0"/>
+              </a:ext>
+            </a:extLst>
+          </a:blip>
+          <a:stretch>
+            <a:fillRect/>
+          </a:stretch>
+        </p:blipFill>
+        <p:spPr>
+          <a:xfrm>
+            <a:off x="243080" y="1290015"/>
+            <a:ext cx="4943475" cy="1857375"/>
+          </a:xfrm>
+        </p:spPr>
+      </p:pic>
+      <p:pic>
+        <p:nvPicPr>
+          <p:cNvPr id="16" name="Image 15"/>
+          <p:cNvPicPr>
+            <a:picLocks noChangeAspect="1"/>
+          </p:cNvPicPr>
+          <p:nvPr/>
+        </p:nvPicPr>
+        <p:blipFill>
+          <a:blip r:embed="rId3">
+            <a:extLst>
+              <a:ext uri="{28A0092B-C50C-407E-A947-70E740481C1C}">
+                <a14:useLocalDpi xmlns:a14="http://schemas.microsoft.com/office/drawing/2010/main" val="0"/>
+              </a:ext>
+            </a:extLst>
+          </a:blip>
+          <a:stretch>
+            <a:fillRect/>
+          </a:stretch>
+        </p:blipFill>
+        <p:spPr>
+          <a:xfrm>
+            <a:off x="243080" y="3147390"/>
+            <a:ext cx="4933950" cy="1676400"/>
+          </a:xfrm>
+          <a:prstGeom prst="rect">
+            <a:avLst/>
+          </a:prstGeom>
+        </p:spPr>
+      </p:pic>
+      <p:pic>
+        <p:nvPicPr>
+          <p:cNvPr id="17" name="Image 16"/>
+          <p:cNvPicPr>
+            <a:picLocks noChangeAspect="1"/>
+          </p:cNvPicPr>
+          <p:nvPr/>
+        </p:nvPicPr>
+        <p:blipFill>
+          <a:blip r:embed="rId4">
+            <a:extLst>
+              <a:ext uri="{28A0092B-C50C-407E-A947-70E740481C1C}">
+                <a14:useLocalDpi xmlns:a14="http://schemas.microsoft.com/office/drawing/2010/main" val="0"/>
+              </a:ext>
+            </a:extLst>
+          </a:blip>
+          <a:stretch>
+            <a:fillRect/>
+          </a:stretch>
+        </p:blipFill>
+        <p:spPr>
+          <a:xfrm>
+            <a:off x="173252" y="4909107"/>
+            <a:ext cx="3409950" cy="1076325"/>
+          </a:xfrm>
+          <a:prstGeom prst="rect">
+            <a:avLst/>
+          </a:prstGeom>
+        </p:spPr>
+      </p:pic>
+      <p:sp>
+        <p:nvSpPr>
+          <p:cNvPr id="18" name="Rectangle 17"/>
+          <p:cNvSpPr/>
+          <p:nvPr/>
+        </p:nvSpPr>
+        <p:spPr>
+          <a:xfrm>
+            <a:off x="4131138" y="2737212"/>
+            <a:ext cx="1055417" cy="333172"/>
+          </a:xfrm>
+          <a:prstGeom prst="rect">
+            <a:avLst/>
+          </a:prstGeom>
+          <a:ln/>
+        </p:spPr>
+        <p:style>
+          <a:lnRef idx="2">
+            <a:schemeClr val="accent6"/>
+          </a:lnRef>
+          <a:fillRef idx="1">
+            <a:schemeClr val="lt1"/>
+          </a:fillRef>
+          <a:effectRef idx="0">
+            <a:schemeClr val="accent6"/>
+          </a:effectRef>
+          <a:fontRef idx="minor">
+            <a:schemeClr val="dk1"/>
+          </a:fontRef>
+        </p:style>
+        <p:txBody>
+          <a:bodyPr rtlCol="0" anchor="ctr"/>
+          <a:lstStyle/>
+          <a:p>
+            <a:pPr algn="ctr"/>
+            <a:r>
+              <a:rPr lang="fr-FR" sz="1400" dirty="0" smtClean="0"/>
+              <a:t>index.html</a:t>
+            </a:r>
+          </a:p>
+        </p:txBody>
+      </p:sp>
+      <p:sp>
+        <p:nvSpPr>
+          <p:cNvPr id="19" name="Rectangle 18"/>
+          <p:cNvSpPr/>
+          <p:nvPr/>
+        </p:nvSpPr>
+        <p:spPr>
+          <a:xfrm>
+            <a:off x="3821533" y="4428001"/>
+            <a:ext cx="1491186" cy="333172"/>
+          </a:xfrm>
+          <a:prstGeom prst="rect">
+            <a:avLst/>
+          </a:prstGeom>
+          <a:ln/>
+        </p:spPr>
+        <p:style>
+          <a:lnRef idx="2">
+            <a:schemeClr val="accent6"/>
+          </a:lnRef>
+          <a:fillRef idx="1">
+            <a:schemeClr val="lt1"/>
+          </a:fillRef>
+          <a:effectRef idx="0">
+            <a:schemeClr val="accent6"/>
+          </a:effectRef>
+          <a:fontRef idx="minor">
+            <a:schemeClr val="dk1"/>
+          </a:fontRef>
+        </p:style>
+        <p:txBody>
+          <a:bodyPr rtlCol="0" anchor="ctr"/>
+          <a:lstStyle/>
+          <a:p>
+            <a:pPr algn="ctr"/>
+            <a:r>
+              <a:rPr lang="fr-FR" sz="1400" dirty="0" smtClean="0"/>
+              <a:t>my-tabs.html</a:t>
+            </a:r>
+          </a:p>
+        </p:txBody>
+      </p:sp>
+      <p:sp>
+        <p:nvSpPr>
+          <p:cNvPr id="20" name="Rectangle 19"/>
+          <p:cNvSpPr/>
+          <p:nvPr/>
+        </p:nvSpPr>
+        <p:spPr>
+          <a:xfrm>
+            <a:off x="2639952" y="5560704"/>
+            <a:ext cx="1491186" cy="333172"/>
+          </a:xfrm>
+          <a:prstGeom prst="rect">
+            <a:avLst/>
+          </a:prstGeom>
+          <a:ln/>
+        </p:spPr>
+        <p:style>
+          <a:lnRef idx="2">
+            <a:schemeClr val="accent6"/>
+          </a:lnRef>
+          <a:fillRef idx="1">
+            <a:schemeClr val="lt1"/>
+          </a:fillRef>
+          <a:effectRef idx="0">
+            <a:schemeClr val="accent6"/>
+          </a:effectRef>
+          <a:fontRef idx="minor">
+            <a:schemeClr val="dk1"/>
+          </a:fontRef>
+        </p:style>
+        <p:txBody>
+          <a:bodyPr rtlCol="0" anchor="ctr"/>
+          <a:lstStyle/>
+          <a:p>
+            <a:pPr algn="ctr"/>
+            <a:r>
+              <a:rPr lang="fr-FR" sz="1400" dirty="0" smtClean="0"/>
+              <a:t>my-pane.html</a:t>
+            </a:r>
+          </a:p>
+        </p:txBody>
+      </p:sp>
+    </p:spTree>
+    <p:extLst>
+      <p:ext uri="{BB962C8B-B14F-4D97-AF65-F5344CB8AC3E}">
+        <p14:creationId xmlns:p14="http://schemas.microsoft.com/office/powerpoint/2010/main" val="688794793"/>
+      </p:ext>
+    </p:extLst>
+  </p:cSld>
+  <p:clrMapOvr>
+    <a:masterClrMapping/>
+  </p:clrMapOvr>
+</p:sld>
+</file>
+
+<file path=ppt/slides/slide17.xml><?xml version="1.0" encoding="utf-8"?>
+<p:sld xmlns:a="http://schemas.openxmlformats.org/drawingml/2006/main" xmlns:r="http://schemas.openxmlformats.org/officeDocument/2006/relationships" xmlns:p="http://schemas.openxmlformats.org/presentationml/2006/main">
+  <p:cSld>
+    <p:spTree>
+      <p:nvGrpSpPr>
+        <p:cNvPr id="1" name=""/>
+        <p:cNvGrpSpPr/>
+        <p:nvPr/>
+      </p:nvGrpSpPr>
+      <p:grpSpPr>
+        <a:xfrm>
+          <a:off x="0" y="0"/>
+          <a:ext cx="0" cy="0"/>
+          <a:chOff x="0" y="0"/>
+          <a:chExt cx="0" cy="0"/>
+        </a:xfrm>
+      </p:grpSpPr>
+      <p:sp>
+        <p:nvSpPr>
+          <p:cNvPr id="2" name="Titre 1"/>
+          <p:cNvSpPr>
+            <a:spLocks noGrp="1"/>
+          </p:cNvSpPr>
+          <p:nvPr>
+            <p:ph type="title"/>
+          </p:nvPr>
+        </p:nvSpPr>
+        <p:spPr/>
+        <p:txBody>
+          <a:bodyPr/>
+          <a:lstStyle/>
+          <a:p>
+            <a:r>
+              <a:rPr lang="fr-FR" dirty="0" err="1"/>
+              <a:t>Creating</a:t>
+            </a:r>
+            <a:r>
+              <a:rPr lang="fr-FR" dirty="0"/>
+              <a:t> Directives </a:t>
+            </a:r>
+            <a:r>
+              <a:rPr lang="fr-FR" dirty="0" err="1"/>
+              <a:t>that</a:t>
+            </a:r>
+            <a:r>
+              <a:rPr lang="fr-FR" dirty="0"/>
+              <a:t> </a:t>
+            </a:r>
+            <a:r>
+              <a:rPr lang="fr-FR" dirty="0" err="1"/>
+              <a:t>Communicate</a:t>
+            </a:r>
+            <a:endParaRPr lang="fr-FR" dirty="0"/>
+          </a:p>
+        </p:txBody>
+      </p:sp>
       <p:sp>
         <p:nvSpPr>
           <p:cNvPr id="3" name="Espace réservé du pied de page 2"/>
@@ -10731,7 +11617,7 @@
             <a:fld id="{AF43E6FD-AB27-4108-A2FC-346BB5F75E3F}" type="slidenum">
               <a:rPr lang="fr-FR" smtClean="0"/>
               <a:pPr/>
-              <a:t>16</a:t>
+              <a:t>17</a:t>
             </a:fld>
             <a:endParaRPr lang="fr-FR" dirty="0"/>
           </a:p>
@@ -10896,6 +11782,277 @@
     <p:extLst>
       <p:ext uri="{BB962C8B-B14F-4D97-AF65-F5344CB8AC3E}">
         <p14:creationId xmlns:p14="http://schemas.microsoft.com/office/powerpoint/2010/main" val="3287670492"/>
+      </p:ext>
+    </p:extLst>
+  </p:cSld>
+  <p:clrMapOvr>
+    <a:masterClrMapping/>
+  </p:clrMapOvr>
+</p:sld>
+</file>
+
+<file path=ppt/slides/slide18.xml><?xml version="1.0" encoding="utf-8"?>
+<p:sld xmlns:a="http://schemas.openxmlformats.org/drawingml/2006/main" xmlns:r="http://schemas.openxmlformats.org/officeDocument/2006/relationships" xmlns:p="http://schemas.openxmlformats.org/presentationml/2006/main">
+  <p:cSld>
+    <p:spTree>
+      <p:nvGrpSpPr>
+        <p:cNvPr id="1" name=""/>
+        <p:cNvGrpSpPr/>
+        <p:nvPr/>
+      </p:nvGrpSpPr>
+      <p:grpSpPr>
+        <a:xfrm>
+          <a:off x="0" y="0"/>
+          <a:ext cx="0" cy="0"/>
+          <a:chOff x="0" y="0"/>
+          <a:chExt cx="0" cy="0"/>
+        </a:xfrm>
+      </p:grpSpPr>
+      <p:sp>
+        <p:nvSpPr>
+          <p:cNvPr id="2" name="Titre 1"/>
+          <p:cNvSpPr>
+            <a:spLocks noGrp="1"/>
+          </p:cNvSpPr>
+          <p:nvPr>
+            <p:ph type="title"/>
+          </p:nvPr>
+        </p:nvSpPr>
+        <p:spPr/>
+        <p:txBody>
+          <a:bodyPr/>
+          <a:lstStyle/>
+          <a:p>
+            <a:r>
+              <a:rPr lang="fr-FR" dirty="0" err="1"/>
+              <a:t>Creating</a:t>
+            </a:r>
+            <a:r>
+              <a:rPr lang="fr-FR" dirty="0"/>
+              <a:t> Directives </a:t>
+            </a:r>
+            <a:r>
+              <a:rPr lang="fr-FR" dirty="0" err="1"/>
+              <a:t>that</a:t>
+            </a:r>
+            <a:r>
+              <a:rPr lang="fr-FR" dirty="0"/>
+              <a:t> </a:t>
+            </a:r>
+            <a:r>
+              <a:rPr lang="fr-FR" dirty="0" err="1"/>
+              <a:t>Communicate</a:t>
+            </a:r>
+            <a:endParaRPr lang="fr-FR" dirty="0"/>
+          </a:p>
+        </p:txBody>
+      </p:sp>
+      <p:sp>
+        <p:nvSpPr>
+          <p:cNvPr id="3" name="Espace réservé du pied de page 2"/>
+          <p:cNvSpPr>
+            <a:spLocks noGrp="1"/>
+          </p:cNvSpPr>
+          <p:nvPr>
+            <p:ph type="ftr" sz="quarter" idx="11"/>
+          </p:nvPr>
+        </p:nvSpPr>
+        <p:spPr/>
+        <p:txBody>
+          <a:bodyPr/>
+          <a:lstStyle/>
+          <a:p>
+            <a:r>
+              <a:rPr lang="fr-FR" smtClean="0"/>
+              <a:t>Nom de la présentation</a:t>
+            </a:r>
+            <a:endParaRPr lang="fr-FR" dirty="0"/>
+          </a:p>
+        </p:txBody>
+      </p:sp>
+      <p:sp>
+        <p:nvSpPr>
+          <p:cNvPr id="4" name="Espace réservé du numéro de diapositive 3"/>
+          <p:cNvSpPr>
+            <a:spLocks noGrp="1"/>
+          </p:cNvSpPr>
+          <p:nvPr>
+            <p:ph type="sldNum" sz="quarter" idx="12"/>
+          </p:nvPr>
+        </p:nvSpPr>
+        <p:spPr/>
+        <p:txBody>
+          <a:bodyPr/>
+          <a:lstStyle/>
+          <a:p>
+            <a:fld id="{AF43E6FD-AB27-4108-A2FC-346BB5F75E3F}" type="slidenum">
+              <a:rPr lang="fr-FR" smtClean="0"/>
+              <a:pPr/>
+              <a:t>18</a:t>
+            </a:fld>
+            <a:endParaRPr lang="fr-FR" dirty="0"/>
+          </a:p>
+        </p:txBody>
+      </p:sp>
+      <p:sp>
+        <p:nvSpPr>
+          <p:cNvPr id="5" name="Espace réservé du contenu 4"/>
+          <p:cNvSpPr>
+            <a:spLocks noGrp="1"/>
+          </p:cNvSpPr>
+          <p:nvPr>
+            <p:ph sz="quarter" idx="13"/>
+          </p:nvPr>
+        </p:nvSpPr>
+        <p:spPr/>
+        <p:txBody>
+          <a:bodyPr/>
+          <a:lstStyle/>
+          <a:p>
+            <a:r>
+              <a:rPr lang="en-US" dirty="0"/>
+              <a:t>The </a:t>
+            </a:r>
+            <a:r>
+              <a:rPr lang="en-US" dirty="0" err="1"/>
+              <a:t>myPane</a:t>
+            </a:r>
+            <a:r>
+              <a:rPr lang="en-US" dirty="0"/>
+              <a:t> directive has a require option with value ^^</a:t>
+            </a:r>
+            <a:r>
+              <a:rPr lang="en-US" dirty="0" err="1"/>
+              <a:t>myTabs</a:t>
+            </a:r>
+            <a:r>
+              <a:rPr lang="en-US" dirty="0"/>
+              <a:t>. </a:t>
+            </a:r>
+            <a:endParaRPr lang="en-US" dirty="0" smtClean="0"/>
+          </a:p>
+          <a:p>
+            <a:r>
+              <a:rPr lang="en-US" dirty="0" smtClean="0"/>
+              <a:t>$</a:t>
+            </a:r>
+            <a:r>
+              <a:rPr lang="en-US" dirty="0"/>
+              <a:t>compile will throw an error unless the specified controller is </a:t>
+            </a:r>
+            <a:r>
+              <a:rPr lang="en-US" dirty="0" smtClean="0"/>
+              <a:t>found</a:t>
+            </a:r>
+          </a:p>
+          <a:p>
+            <a:pPr lvl="1"/>
+            <a:r>
+              <a:rPr lang="en-US" dirty="0" smtClean="0"/>
+              <a:t>^^ prefix: this </a:t>
+            </a:r>
+            <a:r>
+              <a:rPr lang="en-US" dirty="0"/>
+              <a:t>directive searches for the controller on its parents. </a:t>
+            </a:r>
+            <a:endParaRPr lang="en-US" dirty="0" smtClean="0"/>
+          </a:p>
+          <a:p>
+            <a:pPr lvl="1"/>
+            <a:r>
+              <a:rPr lang="en-US" dirty="0" smtClean="0"/>
+              <a:t>^ prefix: the directive </a:t>
+            </a:r>
+            <a:r>
+              <a:rPr lang="en-US" dirty="0"/>
+              <a:t>look for the controller on its own element or its </a:t>
+            </a:r>
+            <a:r>
+              <a:rPr lang="en-US" dirty="0" smtClean="0"/>
+              <a:t>parents</a:t>
+            </a:r>
+          </a:p>
+          <a:p>
+            <a:pPr lvl="1"/>
+            <a:r>
+              <a:rPr lang="en-US" dirty="0" smtClean="0"/>
+              <a:t>without </a:t>
+            </a:r>
+            <a:r>
+              <a:rPr lang="en-US" dirty="0"/>
+              <a:t>any </a:t>
+            </a:r>
+            <a:r>
+              <a:rPr lang="en-US" dirty="0" smtClean="0"/>
+              <a:t>prefix: </a:t>
+            </a:r>
+            <a:r>
+              <a:rPr lang="en-US" dirty="0"/>
+              <a:t>the directive would look on its own </a:t>
+            </a:r>
+            <a:r>
+              <a:rPr lang="en-US" dirty="0" err="1" smtClean="0"/>
+              <a:t>eement</a:t>
+            </a:r>
+            <a:r>
+              <a:rPr lang="en-US" dirty="0" smtClean="0"/>
+              <a:t> only</a:t>
+            </a:r>
+          </a:p>
+          <a:p>
+            <a:r>
+              <a:rPr lang="fr-FR" dirty="0" err="1" smtClean="0"/>
+              <a:t>myTabs</a:t>
+            </a:r>
+            <a:r>
+              <a:rPr lang="fr-FR" dirty="0" smtClean="0"/>
+              <a:t> directive use a custom </a:t>
+            </a:r>
+            <a:r>
+              <a:rPr lang="fr-FR" dirty="0" err="1" smtClean="0"/>
+              <a:t>controller</a:t>
+            </a:r>
+            <a:r>
+              <a:rPr lang="fr-FR" dirty="0" smtClean="0"/>
+              <a:t>!</a:t>
+            </a:r>
+            <a:endParaRPr lang="fr-FR" dirty="0"/>
+          </a:p>
+        </p:txBody>
+      </p:sp>
+      <p:pic>
+        <p:nvPicPr>
+          <p:cNvPr id="7" name="Image 6"/>
+          <p:cNvPicPr>
+            <a:picLocks noChangeAspect="1"/>
+          </p:cNvPicPr>
+          <p:nvPr/>
+        </p:nvPicPr>
+        <p:blipFill rotWithShape="1">
+          <a:blip r:embed="rId2">
+            <a:extLst>
+              <a:ext uri="{28A0092B-C50C-407E-A947-70E740481C1C}">
+                <a14:useLocalDpi xmlns:a14="http://schemas.microsoft.com/office/drawing/2010/main" val="0"/>
+              </a:ext>
+            </a:extLst>
+          </a:blip>
+          <a:srcRect t="14888" b="5912"/>
+          <a:stretch/>
+        </p:blipFill>
+        <p:spPr>
+          <a:xfrm>
+            <a:off x="2015223" y="3965124"/>
+            <a:ext cx="4238625" cy="2776152"/>
+          </a:xfrm>
+          <a:prstGeom prst="rect">
+            <a:avLst/>
+          </a:prstGeom>
+        </p:spPr>
+      </p:pic>
+    </p:spTree>
+    <p:extLst>
+      <p:ext uri="{BB962C8B-B14F-4D97-AF65-F5344CB8AC3E}">
+        <p14:creationId xmlns:p14="http://schemas.microsoft.com/office/powerpoint/2010/main" val="4191315043"/>
       </p:ext>
     </p:extLst>
   </p:cSld>
@@ -11523,72 +12680,6 @@
           </a:p>
         </p:txBody>
       </p:sp>
-      <p:sp>
-        <p:nvSpPr>
-          <p:cNvPr id="6" name="Rectangle à coins arrondis 5"/>
-          <p:cNvSpPr/>
-          <p:nvPr/>
-        </p:nvSpPr>
-        <p:spPr>
-          <a:xfrm>
-            <a:off x="581636" y="5208734"/>
-            <a:ext cx="7934036" cy="1270577"/>
-          </a:xfrm>
-          <a:prstGeom prst="roundRect">
-            <a:avLst/>
-          </a:prstGeom>
-          <a:ln/>
-        </p:spPr>
-        <p:style>
-          <a:lnRef idx="2">
-            <a:schemeClr val="accent3">
-              <a:shade val="50000"/>
-            </a:schemeClr>
-          </a:lnRef>
-          <a:fillRef idx="1">
-            <a:schemeClr val="accent3"/>
-          </a:fillRef>
-          <a:effectRef idx="0">
-            <a:schemeClr val="accent3"/>
-          </a:effectRef>
-          <a:fontRef idx="minor">
-            <a:schemeClr val="lt1"/>
-          </a:fontRef>
-        </p:style>
-        <p:txBody>
-          <a:bodyPr rtlCol="0" anchor="ctr"/>
-          <a:lstStyle/>
-          <a:p>
-            <a:r>
-              <a:rPr lang="en-US" b="1" dirty="0"/>
-              <a:t>Best Practice: </a:t>
-            </a:r>
-            <a:r>
-              <a:rPr lang="en-US" dirty="0"/>
-              <a:t>In order to avoid </a:t>
-            </a:r>
-            <a:r>
-              <a:rPr lang="en-US" dirty="0" smtClean="0"/>
-              <a:t>collisions it's </a:t>
-            </a:r>
-            <a:r>
-              <a:rPr lang="en-US" dirty="0"/>
-              <a:t>best to prefix your own directive names. </a:t>
-            </a:r>
-            <a:endParaRPr lang="en-US" dirty="0" smtClean="0"/>
-          </a:p>
-          <a:p>
-            <a:r>
-              <a:rPr lang="en-US" dirty="0" smtClean="0"/>
-              <a:t>But... do not </a:t>
-            </a:r>
-            <a:r>
-              <a:rPr lang="en-US" dirty="0"/>
-              <a:t>prefix your own directives with ng or they might conflict with directives included in a future version of Angular.</a:t>
-            </a:r>
-          </a:p>
-        </p:txBody>
-      </p:sp>
       <p:pic>
         <p:nvPicPr>
           <p:cNvPr id="16" name="Image 15"/>
@@ -11703,7 +12794,7 @@
         </p:nvSpPr>
         <p:spPr>
           <a:xfrm>
-            <a:off x="4773392" y="4362122"/>
+            <a:off x="4773392" y="4395074"/>
             <a:ext cx="1055417" cy="333172"/>
           </a:xfrm>
           <a:prstGeom prst="rect">
@@ -11737,10 +12828,207 @@
           </a:p>
         </p:txBody>
       </p:sp>
+      <p:sp>
+        <p:nvSpPr>
+          <p:cNvPr id="11" name="Rectangle 10"/>
+          <p:cNvSpPr/>
+          <p:nvPr/>
+        </p:nvSpPr>
+        <p:spPr>
+          <a:xfrm>
+            <a:off x="275065" y="3572853"/>
+            <a:ext cx="5553744" cy="789269"/>
+          </a:xfrm>
+          <a:prstGeom prst="rect">
+            <a:avLst/>
+          </a:prstGeom>
+          <a:noFill/>
+          <a:ln w="28575">
+            <a:solidFill>
+              <a:srgbClr val="00B0F0"/>
+            </a:solidFill>
+          </a:ln>
+        </p:spPr>
+        <p:style>
+          <a:lnRef idx="2">
+            <a:schemeClr val="accent5"/>
+          </a:lnRef>
+          <a:fillRef idx="1">
+            <a:schemeClr val="lt1"/>
+          </a:fillRef>
+          <a:effectRef idx="0">
+            <a:schemeClr val="accent5"/>
+          </a:effectRef>
+          <a:fontRef idx="minor">
+            <a:schemeClr val="dk1"/>
+          </a:fontRef>
+        </p:style>
+        <p:txBody>
+          <a:bodyPr rtlCol="0" anchor="ctr"/>
+          <a:lstStyle/>
+          <a:p>
+            <a:pPr algn="ctr"/>
+            <a:endParaRPr lang="fr-FR" dirty="0" smtClean="0"/>
+          </a:p>
+        </p:txBody>
+      </p:sp>
+      <p:sp>
+        <p:nvSpPr>
+          <p:cNvPr id="12" name="Rectangle 11"/>
+          <p:cNvSpPr/>
+          <p:nvPr/>
+        </p:nvSpPr>
+        <p:spPr>
+          <a:xfrm>
+            <a:off x="6730313" y="2553543"/>
+            <a:ext cx="1054444" cy="263798"/>
+          </a:xfrm>
+          <a:prstGeom prst="rect">
+            <a:avLst/>
+          </a:prstGeom>
+          <a:noFill/>
+          <a:ln w="28575">
+            <a:solidFill>
+              <a:srgbClr val="00B0F0"/>
+            </a:solidFill>
+          </a:ln>
+        </p:spPr>
+        <p:style>
+          <a:lnRef idx="2">
+            <a:schemeClr val="accent5"/>
+          </a:lnRef>
+          <a:fillRef idx="1">
+            <a:schemeClr val="lt1"/>
+          </a:fillRef>
+          <a:effectRef idx="0">
+            <a:schemeClr val="accent5"/>
+          </a:effectRef>
+          <a:fontRef idx="minor">
+            <a:schemeClr val="dk1"/>
+          </a:fontRef>
+        </p:style>
+        <p:txBody>
+          <a:bodyPr rtlCol="0" anchor="ctr"/>
+          <a:lstStyle/>
+          <a:p>
+            <a:pPr algn="ctr"/>
+            <a:endParaRPr lang="fr-FR" dirty="0" smtClean="0"/>
+          </a:p>
+        </p:txBody>
+      </p:sp>
+      <p:pic>
+        <p:nvPicPr>
+          <p:cNvPr id="7" name="Image 6"/>
+          <p:cNvPicPr>
+            <a:picLocks noChangeAspect="1"/>
+          </p:cNvPicPr>
+          <p:nvPr/>
+        </p:nvPicPr>
+        <p:blipFill>
+          <a:blip r:embed="rId4">
+            <a:extLst>
+              <a:ext uri="{28A0092B-C50C-407E-A947-70E740481C1C}">
+                <a14:useLocalDpi xmlns:a14="http://schemas.microsoft.com/office/drawing/2010/main" val="0"/>
+              </a:ext>
+            </a:extLst>
+          </a:blip>
+          <a:stretch>
+            <a:fillRect/>
+          </a:stretch>
+        </p:blipFill>
+        <p:spPr>
+          <a:xfrm>
+            <a:off x="544438" y="5146477"/>
+            <a:ext cx="5060887" cy="604285"/>
+          </a:xfrm>
+          <a:prstGeom prst="rect">
+            <a:avLst/>
+          </a:prstGeom>
+        </p:spPr>
+      </p:pic>
+      <p:sp>
+        <p:nvSpPr>
+          <p:cNvPr id="14" name="Rectangle 13"/>
+          <p:cNvSpPr/>
+          <p:nvPr/>
+        </p:nvSpPr>
+        <p:spPr>
+          <a:xfrm>
+            <a:off x="4578408" y="5584176"/>
+            <a:ext cx="1055417" cy="333172"/>
+          </a:xfrm>
+          <a:prstGeom prst="rect">
+            <a:avLst/>
+          </a:prstGeom>
+          <a:ln/>
+        </p:spPr>
+        <p:style>
+          <a:lnRef idx="2">
+            <a:schemeClr val="accent6"/>
+          </a:lnRef>
+          <a:fillRef idx="1">
+            <a:schemeClr val="lt1"/>
+          </a:fillRef>
+          <a:effectRef idx="0">
+            <a:schemeClr val="accent6"/>
+          </a:effectRef>
+          <a:fontRef idx="minor">
+            <a:schemeClr val="dk1"/>
+          </a:fontRef>
+        </p:style>
+        <p:txBody>
+          <a:bodyPr rtlCol="0" anchor="ctr"/>
+          <a:lstStyle/>
+          <a:p>
+            <a:pPr algn="ctr"/>
+            <a:r>
+              <a:rPr lang="fr-FR" sz="1400" dirty="0" err="1" smtClean="0"/>
+              <a:t>result</a:t>
+            </a:r>
+            <a:endParaRPr lang="fr-FR" sz="1400" dirty="0" smtClean="0"/>
+          </a:p>
+        </p:txBody>
+      </p:sp>
+      <p:cxnSp>
+        <p:nvCxnSpPr>
+          <p:cNvPr id="15" name="Connecteur droit avec flèche 14"/>
+          <p:cNvCxnSpPr/>
+          <p:nvPr/>
+        </p:nvCxnSpPr>
+        <p:spPr>
+          <a:xfrm flipH="1">
+            <a:off x="3369276" y="2702265"/>
+            <a:ext cx="3245710" cy="704002"/>
+          </a:xfrm>
+          <a:prstGeom prst="straightConnector1">
+            <a:avLst/>
+          </a:prstGeom>
+          <a:ln w="38100">
+            <a:solidFill>
+              <a:srgbClr val="00B0F0"/>
+            </a:solidFill>
+            <a:tailEnd type="triangle"/>
+          </a:ln>
+        </p:spPr>
+        <p:style>
+          <a:lnRef idx="1">
+            <a:schemeClr val="accent5"/>
+          </a:lnRef>
+          <a:fillRef idx="0">
+            <a:schemeClr val="accent5"/>
+          </a:fillRef>
+          <a:effectRef idx="0">
+            <a:schemeClr val="accent5"/>
+          </a:effectRef>
+          <a:fontRef idx="minor">
+            <a:schemeClr val="tx1"/>
+          </a:fontRef>
+        </p:style>
+      </p:cxnSp>
     </p:spTree>
     <p:extLst>
       <p:ext uri="{BB962C8B-B14F-4D97-AF65-F5344CB8AC3E}">
-        <p14:creationId xmlns:p14="http://schemas.microsoft.com/office/powerpoint/2010/main" val="2618647755"/>
+        <p14:creationId xmlns:p14="http://schemas.microsoft.com/office/powerpoint/2010/main" val="3862453258"/>
       </p:ext>
     </p:extLst>
   </p:cSld>
@@ -11784,7 +13072,11 @@
           <a:p>
             <a:r>
               <a:rPr lang="fr-FR" dirty="0" smtClean="0"/>
-              <a:t>Directive type restriction</a:t>
+              <a:t>Notes on directives </a:t>
+            </a:r>
+            <a:r>
+              <a:rPr lang="fr-FR" dirty="0" err="1" smtClean="0"/>
+              <a:t>names</a:t>
             </a:r>
             <a:endParaRPr lang="fr-FR" dirty="0"/>
           </a:p>
@@ -11854,44 +13146,46 @@
           <a:p>
             <a:r>
               <a:rPr lang="en-US" dirty="0"/>
-              <a:t>The restrict option is typically set to</a:t>
+              <a:t>In order to avoid collisions it's best to prefix your own directive names. </a:t>
+            </a:r>
+            <a:endParaRPr lang="en-US" dirty="0" smtClean="0"/>
+          </a:p>
+          <a:p>
+            <a:r>
+              <a:rPr lang="en-US" dirty="0"/>
+              <a:t>But... do not prefix your own directives with ng or they might conflict with directives included in a future version of Angular</a:t>
             </a:r>
             <a:r>
               <a:rPr lang="en-US" dirty="0" smtClean="0"/>
-              <a:t>:</a:t>
-            </a:r>
-            <a:endParaRPr lang="en-US" dirty="0"/>
+              <a:t>.</a:t>
+            </a:r>
+          </a:p>
+          <a:p>
+            <a:endParaRPr lang="en-US" dirty="0" smtClean="0"/>
+          </a:p>
+          <a:p>
+            <a:r>
+              <a:rPr lang="en-US" dirty="0" smtClean="0"/>
+              <a:t>Directives (and attributes) must use:</a:t>
+            </a:r>
           </a:p>
           <a:p>
             <a:pPr lvl="1"/>
             <a:r>
-              <a:rPr lang="en-US" dirty="0"/>
-              <a:t>'A' - only matches attribute name</a:t>
-            </a:r>
-          </a:p>
-          <a:p>
-            <a:pPr lvl="1"/>
-            <a:r>
-              <a:rPr lang="en-US" dirty="0"/>
-              <a:t>'E' - only matches element name</a:t>
-            </a:r>
-          </a:p>
-          <a:p>
-            <a:pPr lvl="1"/>
-            <a:r>
-              <a:rPr lang="en-US" dirty="0"/>
-              <a:t>'C' - only matches class name</a:t>
-            </a:r>
-          </a:p>
-          <a:p>
-            <a:pPr lvl="1"/>
-            <a:r>
-              <a:rPr lang="en-US" dirty="0"/>
-              <a:t>'M' - only matches </a:t>
+              <a:rPr lang="en-US" dirty="0" err="1" smtClean="0"/>
+              <a:t>lowerCamelCase</a:t>
             </a:r>
             <a:r>
               <a:rPr lang="en-US" dirty="0" smtClean="0"/>
-              <a:t>comment</a:t>
+              <a:t> in </a:t>
+            </a:r>
+            <a:r>
+              <a:rPr lang="en-US" dirty="0" err="1" smtClean="0"/>
+              <a:t>Javascript</a:t>
+            </a:r>
+            <a:r>
+              <a:rPr lang="en-US" dirty="0" smtClean="0"/>
+              <a:t> files</a:t>
             </a:r>
           </a:p>
           <a:p>
@@ -11899,39 +13193,49 @@
             <a:endParaRPr lang="en-US" dirty="0"/>
           </a:p>
           <a:p>
-            <a:r>
-              <a:rPr lang="en-US" dirty="0"/>
-              <a:t>These restrictions can all be combined </a:t>
-            </a:r>
+            <a:pPr lvl="1"/>
+            <a:endParaRPr lang="en-US" dirty="0" smtClean="0"/>
+          </a:p>
+          <a:p>
+            <a:pPr lvl="1"/>
             <a:r>
               <a:rPr lang="en-US" dirty="0" smtClean="0"/>
-              <a:t>:</a:t>
+              <a:t>Kebab-case in html files</a:t>
             </a:r>
             <a:endParaRPr lang="en-US" dirty="0"/>
           </a:p>
           <a:p>
+            <a:endParaRPr lang="en-US" dirty="0"/>
+          </a:p>
+          <a:p>
             <a:pPr lvl="1"/>
-            <a:r>
-              <a:rPr lang="en-US" dirty="0" smtClean="0"/>
-              <a:t>'AEC</a:t>
-            </a:r>
-            <a:r>
-              <a:rPr lang="en-US" dirty="0"/>
-              <a:t>' - matches either attribute or element or class name</a:t>
-            </a:r>
-            <a:endParaRPr lang="fr-FR" dirty="0"/>
+            <a:endParaRPr lang="en-US" dirty="0" smtClean="0"/>
+          </a:p>
+          <a:p>
+            <a:pPr marL="0" indent="0">
+              <a:buNone/>
+            </a:pPr>
+            <a:endParaRPr lang="fr-FR" sz="1400" dirty="0" smtClean="0">
+              <a:solidFill>
+                <a:srgbClr val="000000"/>
+              </a:solidFill>
+              <a:highlight>
+                <a:srgbClr val="FFFFFF"/>
+              </a:highlight>
+              <a:latin typeface="Courier New" panose="02070309020205020404" pitchFamily="49" charset="0"/>
+            </a:endParaRPr>
           </a:p>
         </p:txBody>
       </p:sp>
       <p:pic>
         <p:nvPicPr>
-          <p:cNvPr id="7" name="Image 6"/>
+          <p:cNvPr id="16" name="Image 15"/>
           <p:cNvPicPr>
             <a:picLocks noChangeAspect="1"/>
           </p:cNvPicPr>
           <p:nvPr/>
         </p:nvPicPr>
-        <p:blipFill>
+        <p:blipFill rotWithShape="1">
           <a:blip r:embed="rId2">
             <a:extLst>
               <a:ext uri="{28A0092B-C50C-407E-A947-70E740481C1C}">
@@ -11939,14 +13243,13 @@
               </a:ext>
             </a:extLst>
           </a:blip>
-          <a:stretch>
-            <a:fillRect/>
-          </a:stretch>
+          <a:srcRect t="57059" r="44273" b="34072"/>
+          <a:stretch/>
         </p:blipFill>
         <p:spPr>
           <a:xfrm>
-            <a:off x="19838" y="4496521"/>
-            <a:ext cx="5842256" cy="1871348"/>
+            <a:off x="2211985" y="4129925"/>
+            <a:ext cx="5122006" cy="384410"/>
           </a:xfrm>
           <a:prstGeom prst="rect">
             <a:avLst/>
@@ -11955,13 +13258,13 @@
       </p:pic>
       <p:pic>
         <p:nvPicPr>
-          <p:cNvPr id="8" name="Image 7"/>
+          <p:cNvPr id="17" name="Image 16"/>
           <p:cNvPicPr>
             <a:picLocks noChangeAspect="1"/>
           </p:cNvPicPr>
           <p:nvPr/>
         </p:nvPicPr>
-        <p:blipFill>
+        <p:blipFill rotWithShape="1">
           <a:blip r:embed="rId3">
             <a:extLst>
               <a:ext uri="{28A0092B-C50C-407E-A947-70E740481C1C}">
@@ -11969,112 +13272,23 @@
               </a:ext>
             </a:extLst>
           </a:blip>
-          <a:stretch>
-            <a:fillRect/>
-          </a:stretch>
+          <a:srcRect t="33864" b="38155"/>
+          <a:stretch/>
         </p:blipFill>
         <p:spPr>
           <a:xfrm>
-            <a:off x="5085171" y="4568561"/>
-            <a:ext cx="3711347" cy="1204063"/>
+            <a:off x="2211984" y="5148693"/>
+            <a:ext cx="4658373" cy="434481"/>
           </a:xfrm>
           <a:prstGeom prst="rect">
             <a:avLst/>
           </a:prstGeom>
         </p:spPr>
       </p:pic>
-      <p:sp>
-        <p:nvSpPr>
-          <p:cNvPr id="9" name="Rectangle 8"/>
-          <p:cNvSpPr/>
-          <p:nvPr/>
-        </p:nvSpPr>
-        <p:spPr>
-          <a:xfrm>
-            <a:off x="7741101" y="5403609"/>
-            <a:ext cx="1055417" cy="333172"/>
-          </a:xfrm>
-          <a:prstGeom prst="rect">
-            <a:avLst/>
-          </a:prstGeom>
-          <a:ln/>
-        </p:spPr>
-        <p:style>
-          <a:lnRef idx="2">
-            <a:schemeClr val="accent6"/>
-          </a:lnRef>
-          <a:fillRef idx="1">
-            <a:schemeClr val="lt1"/>
-          </a:fillRef>
-          <a:effectRef idx="0">
-            <a:schemeClr val="accent6"/>
-          </a:effectRef>
-          <a:fontRef idx="minor">
-            <a:schemeClr val="dk1"/>
-          </a:fontRef>
-        </p:style>
-        <p:txBody>
-          <a:bodyPr rtlCol="0" anchor="ctr"/>
-          <a:lstStyle/>
-          <a:p>
-            <a:pPr algn="ctr"/>
-            <a:r>
-              <a:rPr lang="fr-FR" sz="1400" dirty="0"/>
-              <a:t>i</a:t>
-            </a:r>
-            <a:r>
-              <a:rPr lang="fr-FR" sz="1400" dirty="0" smtClean="0"/>
-              <a:t>ndex.html</a:t>
-            </a:r>
-          </a:p>
-        </p:txBody>
-      </p:sp>
-      <p:sp>
-        <p:nvSpPr>
-          <p:cNvPr id="10" name="Rectangle 9"/>
-          <p:cNvSpPr/>
-          <p:nvPr/>
-        </p:nvSpPr>
-        <p:spPr>
-          <a:xfrm>
-            <a:off x="4806677" y="5906963"/>
-            <a:ext cx="1055417" cy="333172"/>
-          </a:xfrm>
-          <a:prstGeom prst="rect">
-            <a:avLst/>
-          </a:prstGeom>
-          <a:ln/>
-        </p:spPr>
-        <p:style>
-          <a:lnRef idx="2">
-            <a:schemeClr val="accent6"/>
-          </a:lnRef>
-          <a:fillRef idx="1">
-            <a:schemeClr val="lt1"/>
-          </a:fillRef>
-          <a:effectRef idx="0">
-            <a:schemeClr val="accent6"/>
-          </a:effectRef>
-          <a:fontRef idx="minor">
-            <a:schemeClr val="dk1"/>
-          </a:fontRef>
-        </p:style>
-        <p:txBody>
-          <a:bodyPr rtlCol="0" anchor="ctr"/>
-          <a:lstStyle/>
-          <a:p>
-            <a:pPr algn="ctr"/>
-            <a:r>
-              <a:rPr lang="fr-FR" sz="1400" dirty="0" smtClean="0"/>
-              <a:t>script.js</a:t>
-            </a:r>
-          </a:p>
-        </p:txBody>
-      </p:sp>
     </p:spTree>
     <p:extLst>
       <p:ext uri="{BB962C8B-B14F-4D97-AF65-F5344CB8AC3E}">
-        <p14:creationId xmlns:p14="http://schemas.microsoft.com/office/powerpoint/2010/main" val="4221194473"/>
+        <p14:creationId xmlns:p14="http://schemas.microsoft.com/office/powerpoint/2010/main" val="2618647755"/>
       </p:ext>
     </p:extLst>
   </p:cSld>
@@ -12117,28 +13331,8 @@
           <a:lstStyle/>
           <a:p>
             <a:r>
-              <a:rPr lang="fr-FR" dirty="0"/>
-              <a:t>Template-</a:t>
-            </a:r>
-            <a:r>
-              <a:rPr lang="fr-FR" dirty="0" err="1"/>
-              <a:t>expanding</a:t>
-            </a:r>
-            <a:r>
-              <a:rPr lang="fr-FR" dirty="0"/>
-              <a:t> </a:t>
-            </a:r>
-            <a:r>
               <a:rPr lang="fr-FR" dirty="0" smtClean="0"/>
-              <a:t>directive (</a:t>
-            </a:r>
-            <a:r>
-              <a:rPr lang="fr-FR" dirty="0" err="1" smtClean="0"/>
-              <a:t>external</a:t>
-            </a:r>
-            <a:r>
-              <a:rPr lang="fr-FR" dirty="0" smtClean="0"/>
-              <a:t> file)</a:t>
+              <a:t>Directive type restriction</a:t>
             </a:r>
             <a:endParaRPr lang="fr-FR" dirty="0"/>
           </a:p>
@@ -12160,7 +13354,7 @@
           <a:lstStyle/>
           <a:p>
             <a:r>
-              <a:rPr lang="fr-FR" dirty="0" smtClean="0"/>
+              <a:rPr lang="fr-FR" smtClean="0"/>
               <a:t>Nom de la présentation</a:t>
             </a:r>
             <a:endParaRPr lang="fr-FR" dirty="0"/>
@@ -12191,15 +13385,99 @@
           </a:p>
         </p:txBody>
       </p:sp>
+      <p:sp>
+        <p:nvSpPr>
+          <p:cNvPr id="5" name="Espace réservé du contenu 4"/>
+          <p:cNvSpPr>
+            <a:spLocks noGrp="1"/>
+          </p:cNvSpPr>
+          <p:nvPr>
+            <p:ph sz="quarter" idx="13"/>
+          </p:nvPr>
+        </p:nvSpPr>
+        <p:spPr/>
+        <p:txBody>
+          <a:bodyPr/>
+          <a:lstStyle/>
+          <a:p>
+            <a:r>
+              <a:rPr lang="en-US" dirty="0"/>
+              <a:t>The restrict option is typically set to</a:t>
+            </a:r>
+            <a:r>
+              <a:rPr lang="en-US" dirty="0" smtClean="0"/>
+              <a:t>:</a:t>
+            </a:r>
+            <a:endParaRPr lang="en-US" dirty="0"/>
+          </a:p>
+          <a:p>
+            <a:pPr lvl="1"/>
+            <a:r>
+              <a:rPr lang="en-US" dirty="0"/>
+              <a:t>'A' - only matches attribute name</a:t>
+            </a:r>
+          </a:p>
+          <a:p>
+            <a:pPr lvl="1"/>
+            <a:r>
+              <a:rPr lang="en-US" dirty="0"/>
+              <a:t>'E' - only matches element name</a:t>
+            </a:r>
+          </a:p>
+          <a:p>
+            <a:pPr lvl="1"/>
+            <a:r>
+              <a:rPr lang="en-US" dirty="0"/>
+              <a:t>'C' - only matches class name</a:t>
+            </a:r>
+          </a:p>
+          <a:p>
+            <a:pPr lvl="1"/>
+            <a:r>
+              <a:rPr lang="en-US" dirty="0"/>
+              <a:t>'M' - only matches </a:t>
+            </a:r>
+            <a:r>
+              <a:rPr lang="en-US" dirty="0" smtClean="0"/>
+              <a:t>comment</a:t>
+            </a:r>
+          </a:p>
+          <a:p>
+            <a:pPr lvl="1"/>
+            <a:endParaRPr lang="en-US" dirty="0"/>
+          </a:p>
+          <a:p>
+            <a:r>
+              <a:rPr lang="en-US" dirty="0"/>
+              <a:t>These restrictions can all be combined </a:t>
+            </a:r>
+            <a:r>
+              <a:rPr lang="en-US" dirty="0" smtClean="0"/>
+              <a:t>:</a:t>
+            </a:r>
+            <a:endParaRPr lang="en-US" dirty="0"/>
+          </a:p>
+          <a:p>
+            <a:pPr lvl="1"/>
+            <a:r>
+              <a:rPr lang="en-US" dirty="0" smtClean="0"/>
+              <a:t>'AEC</a:t>
+            </a:r>
+            <a:r>
+              <a:rPr lang="en-US" dirty="0"/>
+              <a:t>' - matches either attribute or element or class name</a:t>
+            </a:r>
+            <a:endParaRPr lang="fr-FR" dirty="0"/>
+          </a:p>
+        </p:txBody>
+      </p:sp>
       <p:pic>
         <p:nvPicPr>
-          <p:cNvPr id="8" name="Espace réservé du contenu 7"/>
+          <p:cNvPr id="7" name="Image 6"/>
           <p:cNvPicPr>
-            <a:picLocks noGrp="1" noChangeAspect="1"/>
+            <a:picLocks noChangeAspect="1"/>
           </p:cNvPicPr>
-          <p:nvPr>
-            <p:ph sz="quarter" idx="13"/>
-          </p:nvPr>
+          <p:nvPr/>
         </p:nvPicPr>
         <p:blipFill>
           <a:blip r:embed="rId2">
@@ -12215,69 +13493,17 @@
         </p:blipFill>
         <p:spPr>
           <a:xfrm>
-            <a:off x="418356" y="2585759"/>
-            <a:ext cx="4181475" cy="2506778"/>
-          </a:xfrm>
-        </p:spPr>
-      </p:pic>
-      <p:sp>
-        <p:nvSpPr>
-          <p:cNvPr id="7" name="Rectangle à coins arrondis 6"/>
-          <p:cNvSpPr/>
-          <p:nvPr/>
-        </p:nvSpPr>
-        <p:spPr>
-          <a:xfrm>
-            <a:off x="531466" y="1147955"/>
-            <a:ext cx="7934036" cy="1270577"/>
-          </a:xfrm>
-          <a:prstGeom prst="roundRect">
+            <a:off x="19838" y="4496521"/>
+            <a:ext cx="5842256" cy="1871348"/>
+          </a:xfrm>
+          <a:prstGeom prst="rect">
             <a:avLst/>
           </a:prstGeom>
-          <a:ln/>
-        </p:spPr>
-        <p:style>
-          <a:lnRef idx="2">
-            <a:schemeClr val="accent3">
-              <a:shade val="50000"/>
-            </a:schemeClr>
-          </a:lnRef>
-          <a:fillRef idx="1">
-            <a:schemeClr val="accent3"/>
-          </a:fillRef>
-          <a:effectRef idx="0">
-            <a:schemeClr val="accent3"/>
-          </a:effectRef>
-          <a:fontRef idx="minor">
-            <a:schemeClr val="lt1"/>
-          </a:fontRef>
-        </p:style>
-        <p:txBody>
-          <a:bodyPr rtlCol="0" anchor="ctr"/>
-          <a:lstStyle/>
-          <a:p>
-            <a:r>
-              <a:rPr lang="en-US" b="1" dirty="0"/>
-              <a:t>Best Practice</a:t>
-            </a:r>
-            <a:r>
-              <a:rPr lang="en-US" dirty="0"/>
-              <a:t>: Unless your template is very small, it's typically better to break it apart into its own HTML file and load it with the </a:t>
-            </a:r>
-            <a:r>
-              <a:rPr lang="en-US" dirty="0" err="1"/>
-              <a:t>templateUrl</a:t>
-            </a:r>
-            <a:r>
-              <a:rPr lang="en-US" dirty="0"/>
-              <a:t> option.</a:t>
-            </a:r>
-          </a:p>
-        </p:txBody>
-      </p:sp>
+        </p:spPr>
+      </p:pic>
       <p:pic>
         <p:nvPicPr>
-          <p:cNvPr id="9" name="Image 8"/>
+          <p:cNvPr id="8" name="Image 7"/>
           <p:cNvPicPr>
             <a:picLocks noChangeAspect="1"/>
           </p:cNvPicPr>
@@ -12297,53 +13523,23 @@
         </p:blipFill>
         <p:spPr>
           <a:xfrm>
-            <a:off x="4824594" y="2577521"/>
-            <a:ext cx="3765219" cy="1188263"/>
+            <a:off x="5085171" y="4568561"/>
+            <a:ext cx="3711347" cy="1204063"/>
           </a:xfrm>
           <a:prstGeom prst="rect">
             <a:avLst/>
           </a:prstGeom>
         </p:spPr>
       </p:pic>
-      <p:pic>
-        <p:nvPicPr>
-          <p:cNvPr id="10" name="Image 9"/>
-          <p:cNvPicPr>
-            <a:picLocks noChangeAspect="1"/>
-          </p:cNvPicPr>
-          <p:nvPr/>
-        </p:nvPicPr>
-        <p:blipFill>
-          <a:blip r:embed="rId4">
-            <a:extLst>
-              <a:ext uri="{28A0092B-C50C-407E-A947-70E740481C1C}">
-                <a14:useLocalDpi xmlns:a14="http://schemas.microsoft.com/office/drawing/2010/main" val="0"/>
-              </a:ext>
-            </a:extLst>
-          </a:blip>
-          <a:stretch>
-            <a:fillRect/>
-          </a:stretch>
-        </p:blipFill>
-        <p:spPr>
-          <a:xfrm>
-            <a:off x="360937" y="5338885"/>
-            <a:ext cx="5676073" cy="633548"/>
-          </a:xfrm>
-          <a:prstGeom prst="rect">
-            <a:avLst/>
-          </a:prstGeom>
-        </p:spPr>
-      </p:pic>
-      <p:sp>
-        <p:nvSpPr>
-          <p:cNvPr id="11" name="Rectangle 10"/>
+      <p:sp>
+        <p:nvSpPr>
+          <p:cNvPr id="9" name="Rectangle 8"/>
           <p:cNvSpPr/>
           <p:nvPr/>
         </p:nvSpPr>
         <p:spPr>
           <a:xfrm>
-            <a:off x="3544414" y="4759365"/>
+            <a:off x="7741101" y="5403609"/>
             <a:ext cx="1055417" cy="333172"/>
           </a:xfrm>
           <a:prstGeom prst="rect">
@@ -12371,21 +13567,25 @@
           <a:p>
             <a:pPr algn="ctr"/>
             <a:r>
+              <a:rPr lang="fr-FR" sz="1400" dirty="0"/>
+              <a:t>i</a:t>
+            </a:r>
+            <a:r>
               <a:rPr lang="fr-FR" sz="1400" dirty="0" smtClean="0"/>
-              <a:t>script.js</a:t>
-            </a:r>
-          </a:p>
-        </p:txBody>
-      </p:sp>
-      <p:sp>
-        <p:nvSpPr>
-          <p:cNvPr id="12" name="Rectangle 11"/>
+              <a:t>ndex.html</a:t>
+            </a:r>
+          </a:p>
+        </p:txBody>
+      </p:sp>
+      <p:sp>
+        <p:nvSpPr>
+          <p:cNvPr id="10" name="Rectangle 9"/>
           <p:cNvSpPr/>
           <p:nvPr/>
         </p:nvSpPr>
         <p:spPr>
           <a:xfrm>
-            <a:off x="7534396" y="3323436"/>
+            <a:off x="4806677" y="5906963"/>
             <a:ext cx="1055417" cy="333172"/>
           </a:xfrm>
           <a:prstGeom prst="rect">
@@ -12414,36 +13614,41 @@
             <a:pPr algn="ctr"/>
             <a:r>
               <a:rPr lang="fr-FR" sz="1400" dirty="0" smtClean="0"/>
-              <a:t>index.html</a:t>
-            </a:r>
-          </a:p>
-        </p:txBody>
-      </p:sp>
-      <p:sp>
-        <p:nvSpPr>
-          <p:cNvPr id="13" name="Rectangle 12"/>
+              <a:t>script.js</a:t>
+            </a:r>
+          </a:p>
+        </p:txBody>
+      </p:sp>
+      <p:sp>
+        <p:nvSpPr>
+          <p:cNvPr id="11" name="Rectangle 10"/>
           <p:cNvSpPr/>
           <p:nvPr/>
         </p:nvSpPr>
         <p:spPr>
           <a:xfrm>
-            <a:off x="5520242" y="5655659"/>
-            <a:ext cx="1531345" cy="333172"/>
+            <a:off x="659027" y="5038693"/>
+            <a:ext cx="1683988" cy="263798"/>
           </a:xfrm>
           <a:prstGeom prst="rect">
             <a:avLst/>
           </a:prstGeom>
-          <a:ln/>
+          <a:noFill/>
+          <a:ln w="28575">
+            <a:solidFill>
+              <a:srgbClr val="00B0F0"/>
+            </a:solidFill>
+          </a:ln>
         </p:spPr>
         <p:style>
           <a:lnRef idx="2">
-            <a:schemeClr val="accent6"/>
+            <a:schemeClr val="accent5"/>
           </a:lnRef>
           <a:fillRef idx="1">
             <a:schemeClr val="lt1"/>
           </a:fillRef>
           <a:effectRef idx="0">
-            <a:schemeClr val="accent6"/>
+            <a:schemeClr val="accent5"/>
           </a:effectRef>
           <a:fontRef idx="minor">
             <a:schemeClr val="dk1"/>
@@ -12454,17 +13659,14 @@
           <a:lstStyle/>
           <a:p>
             <a:pPr algn="ctr"/>
-            <a:r>
-              <a:rPr lang="fr-FR" sz="1400" dirty="0" smtClean="0"/>
-              <a:t>my-customer.html</a:t>
-            </a:r>
+            <a:endParaRPr lang="fr-FR" dirty="0" smtClean="0"/>
           </a:p>
         </p:txBody>
       </p:sp>
     </p:spTree>
     <p:extLst>
       <p:ext uri="{BB962C8B-B14F-4D97-AF65-F5344CB8AC3E}">
-        <p14:creationId xmlns:p14="http://schemas.microsoft.com/office/powerpoint/2010/main" val="2182669613"/>
+        <p14:creationId xmlns:p14="http://schemas.microsoft.com/office/powerpoint/2010/main" val="4221194473"/>
       </p:ext>
     </p:extLst>
   </p:cSld>
@@ -12507,12 +13709,28 @@
           <a:lstStyle/>
           <a:p>
             <a:r>
+              <a:rPr lang="fr-FR" dirty="0"/>
+              <a:t>Template-</a:t>
+            </a:r>
+            <a:r>
+              <a:rPr lang="fr-FR" dirty="0" err="1"/>
+              <a:t>expanding</a:t>
+            </a:r>
+            <a:r>
+              <a:rPr lang="fr-FR" dirty="0"/>
+              <a:t> </a:t>
+            </a:r>
+            <a:r>
+              <a:rPr lang="fr-FR" dirty="0" smtClean="0"/>
+              <a:t>directive (</a:t>
+            </a:r>
+            <a:r>
               <a:rPr lang="fr-FR" dirty="0" err="1" smtClean="0"/>
-              <a:t>Isolating</a:t>
+              <a:t>external</a:t>
             </a:r>
             <a:r>
               <a:rPr lang="fr-FR" dirty="0" smtClean="0"/>
-              <a:t> scope</a:t>
+              <a:t> file)</a:t>
             </a:r>
             <a:endParaRPr lang="fr-FR" dirty="0"/>
           </a:p>
@@ -12560,6 +13778,380 @@
               <a:rPr lang="fr-FR" smtClean="0"/>
               <a:pPr/>
               <a:t>7</a:t>
+            </a:fld>
+            <a:endParaRPr lang="fr-FR" dirty="0"/>
+          </a:p>
+        </p:txBody>
+      </p:sp>
+      <p:pic>
+        <p:nvPicPr>
+          <p:cNvPr id="8" name="Espace réservé du contenu 7"/>
+          <p:cNvPicPr>
+            <a:picLocks noGrp="1" noChangeAspect="1"/>
+          </p:cNvPicPr>
+          <p:nvPr>
+            <p:ph sz="quarter" idx="13"/>
+          </p:nvPr>
+        </p:nvPicPr>
+        <p:blipFill>
+          <a:blip r:embed="rId2">
+            <a:extLst>
+              <a:ext uri="{28A0092B-C50C-407E-A947-70E740481C1C}">
+                <a14:useLocalDpi xmlns:a14="http://schemas.microsoft.com/office/drawing/2010/main" val="0"/>
+              </a:ext>
+            </a:extLst>
+          </a:blip>
+          <a:stretch>
+            <a:fillRect/>
+          </a:stretch>
+        </p:blipFill>
+        <p:spPr>
+          <a:xfrm>
+            <a:off x="418356" y="2585759"/>
+            <a:ext cx="4181475" cy="2506778"/>
+          </a:xfrm>
+        </p:spPr>
+      </p:pic>
+      <p:sp>
+        <p:nvSpPr>
+          <p:cNvPr id="7" name="Rectangle à coins arrondis 6"/>
+          <p:cNvSpPr/>
+          <p:nvPr/>
+        </p:nvSpPr>
+        <p:spPr>
+          <a:xfrm>
+            <a:off x="531466" y="1147955"/>
+            <a:ext cx="7934036" cy="1270577"/>
+          </a:xfrm>
+          <a:prstGeom prst="roundRect">
+            <a:avLst/>
+          </a:prstGeom>
+          <a:ln/>
+        </p:spPr>
+        <p:style>
+          <a:lnRef idx="2">
+            <a:schemeClr val="accent3">
+              <a:shade val="50000"/>
+            </a:schemeClr>
+          </a:lnRef>
+          <a:fillRef idx="1">
+            <a:schemeClr val="accent3"/>
+          </a:fillRef>
+          <a:effectRef idx="0">
+            <a:schemeClr val="accent3"/>
+          </a:effectRef>
+          <a:fontRef idx="minor">
+            <a:schemeClr val="lt1"/>
+          </a:fontRef>
+        </p:style>
+        <p:txBody>
+          <a:bodyPr rtlCol="0" anchor="ctr"/>
+          <a:lstStyle/>
+          <a:p>
+            <a:r>
+              <a:rPr lang="en-US" b="1" dirty="0"/>
+              <a:t>Best Practice</a:t>
+            </a:r>
+            <a:r>
+              <a:rPr lang="en-US" dirty="0"/>
+              <a:t>: Unless your template is very small, it's typically better to break it apart into its own HTML file and load it with the </a:t>
+            </a:r>
+            <a:r>
+              <a:rPr lang="en-US" dirty="0" err="1"/>
+              <a:t>templateUrl</a:t>
+            </a:r>
+            <a:r>
+              <a:rPr lang="en-US" dirty="0"/>
+              <a:t> option.</a:t>
+            </a:r>
+          </a:p>
+        </p:txBody>
+      </p:sp>
+      <p:pic>
+        <p:nvPicPr>
+          <p:cNvPr id="9" name="Image 8"/>
+          <p:cNvPicPr>
+            <a:picLocks noChangeAspect="1"/>
+          </p:cNvPicPr>
+          <p:nvPr/>
+        </p:nvPicPr>
+        <p:blipFill>
+          <a:blip r:embed="rId3">
+            <a:extLst>
+              <a:ext uri="{28A0092B-C50C-407E-A947-70E740481C1C}">
+                <a14:useLocalDpi xmlns:a14="http://schemas.microsoft.com/office/drawing/2010/main" val="0"/>
+              </a:ext>
+            </a:extLst>
+          </a:blip>
+          <a:stretch>
+            <a:fillRect/>
+          </a:stretch>
+        </p:blipFill>
+        <p:spPr>
+          <a:xfrm>
+            <a:off x="4824594" y="2577521"/>
+            <a:ext cx="3765219" cy="1188263"/>
+          </a:xfrm>
+          <a:prstGeom prst="rect">
+            <a:avLst/>
+          </a:prstGeom>
+        </p:spPr>
+      </p:pic>
+      <p:pic>
+        <p:nvPicPr>
+          <p:cNvPr id="10" name="Image 9"/>
+          <p:cNvPicPr>
+            <a:picLocks noChangeAspect="1"/>
+          </p:cNvPicPr>
+          <p:nvPr/>
+        </p:nvPicPr>
+        <p:blipFill>
+          <a:blip r:embed="rId4">
+            <a:extLst>
+              <a:ext uri="{28A0092B-C50C-407E-A947-70E740481C1C}">
+                <a14:useLocalDpi xmlns:a14="http://schemas.microsoft.com/office/drawing/2010/main" val="0"/>
+              </a:ext>
+            </a:extLst>
+          </a:blip>
+          <a:stretch>
+            <a:fillRect/>
+          </a:stretch>
+        </p:blipFill>
+        <p:spPr>
+          <a:xfrm>
+            <a:off x="360937" y="5338885"/>
+            <a:ext cx="5676073" cy="633548"/>
+          </a:xfrm>
+          <a:prstGeom prst="rect">
+            <a:avLst/>
+          </a:prstGeom>
+        </p:spPr>
+      </p:pic>
+      <p:sp>
+        <p:nvSpPr>
+          <p:cNvPr id="11" name="Rectangle 10"/>
+          <p:cNvSpPr/>
+          <p:nvPr/>
+        </p:nvSpPr>
+        <p:spPr>
+          <a:xfrm>
+            <a:off x="3544414" y="4759365"/>
+            <a:ext cx="1055417" cy="333172"/>
+          </a:xfrm>
+          <a:prstGeom prst="rect">
+            <a:avLst/>
+          </a:prstGeom>
+          <a:ln/>
+        </p:spPr>
+        <p:style>
+          <a:lnRef idx="2">
+            <a:schemeClr val="accent6"/>
+          </a:lnRef>
+          <a:fillRef idx="1">
+            <a:schemeClr val="lt1"/>
+          </a:fillRef>
+          <a:effectRef idx="0">
+            <a:schemeClr val="accent6"/>
+          </a:effectRef>
+          <a:fontRef idx="minor">
+            <a:schemeClr val="dk1"/>
+          </a:fontRef>
+        </p:style>
+        <p:txBody>
+          <a:bodyPr rtlCol="0" anchor="ctr"/>
+          <a:lstStyle/>
+          <a:p>
+            <a:pPr algn="ctr"/>
+            <a:r>
+              <a:rPr lang="fr-FR" sz="1400" dirty="0" smtClean="0"/>
+              <a:t>script.js</a:t>
+            </a:r>
+          </a:p>
+        </p:txBody>
+      </p:sp>
+      <p:sp>
+        <p:nvSpPr>
+          <p:cNvPr id="12" name="Rectangle 11"/>
+          <p:cNvSpPr/>
+          <p:nvPr/>
+        </p:nvSpPr>
+        <p:spPr>
+          <a:xfrm>
+            <a:off x="7534396" y="3323436"/>
+            <a:ext cx="1055417" cy="333172"/>
+          </a:xfrm>
+          <a:prstGeom prst="rect">
+            <a:avLst/>
+          </a:prstGeom>
+          <a:ln/>
+        </p:spPr>
+        <p:style>
+          <a:lnRef idx="2">
+            <a:schemeClr val="accent6"/>
+          </a:lnRef>
+          <a:fillRef idx="1">
+            <a:schemeClr val="lt1"/>
+          </a:fillRef>
+          <a:effectRef idx="0">
+            <a:schemeClr val="accent6"/>
+          </a:effectRef>
+          <a:fontRef idx="minor">
+            <a:schemeClr val="dk1"/>
+          </a:fontRef>
+        </p:style>
+        <p:txBody>
+          <a:bodyPr rtlCol="0" anchor="ctr"/>
+          <a:lstStyle/>
+          <a:p>
+            <a:pPr algn="ctr"/>
+            <a:r>
+              <a:rPr lang="fr-FR" sz="1400" dirty="0" smtClean="0"/>
+              <a:t>index.html</a:t>
+            </a:r>
+          </a:p>
+        </p:txBody>
+      </p:sp>
+      <p:sp>
+        <p:nvSpPr>
+          <p:cNvPr id="13" name="Rectangle 12"/>
+          <p:cNvSpPr/>
+          <p:nvPr/>
+        </p:nvSpPr>
+        <p:spPr>
+          <a:xfrm>
+            <a:off x="5520242" y="5655659"/>
+            <a:ext cx="1531345" cy="333172"/>
+          </a:xfrm>
+          <a:prstGeom prst="rect">
+            <a:avLst/>
+          </a:prstGeom>
+          <a:ln/>
+        </p:spPr>
+        <p:style>
+          <a:lnRef idx="2">
+            <a:schemeClr val="accent6"/>
+          </a:lnRef>
+          <a:fillRef idx="1">
+            <a:schemeClr val="lt1"/>
+          </a:fillRef>
+          <a:effectRef idx="0">
+            <a:schemeClr val="accent6"/>
+          </a:effectRef>
+          <a:fontRef idx="minor">
+            <a:schemeClr val="dk1"/>
+          </a:fontRef>
+        </p:style>
+        <p:txBody>
+          <a:bodyPr rtlCol="0" anchor="ctr"/>
+          <a:lstStyle/>
+          <a:p>
+            <a:pPr algn="ctr"/>
+            <a:r>
+              <a:rPr lang="fr-FR" sz="1400" dirty="0" smtClean="0"/>
+              <a:t>my-customer.html</a:t>
+            </a:r>
+          </a:p>
+        </p:txBody>
+      </p:sp>
+    </p:spTree>
+    <p:extLst>
+      <p:ext uri="{BB962C8B-B14F-4D97-AF65-F5344CB8AC3E}">
+        <p14:creationId xmlns:p14="http://schemas.microsoft.com/office/powerpoint/2010/main" val="2182669613"/>
+      </p:ext>
+    </p:extLst>
+  </p:cSld>
+  <p:clrMapOvr>
+    <a:masterClrMapping/>
+  </p:clrMapOvr>
+</p:sld>
+</file>
+
+<file path=ppt/slides/slide8.xml><?xml version="1.0" encoding="utf-8"?>
+<p:sld xmlns:a="http://schemas.openxmlformats.org/drawingml/2006/main" xmlns:r="http://schemas.openxmlformats.org/officeDocument/2006/relationships" xmlns:p="http://schemas.openxmlformats.org/presentationml/2006/main">
+  <p:cSld>
+    <p:spTree>
+      <p:nvGrpSpPr>
+        <p:cNvPr id="1" name=""/>
+        <p:cNvGrpSpPr/>
+        <p:nvPr/>
+      </p:nvGrpSpPr>
+      <p:grpSpPr>
+        <a:xfrm>
+          <a:off x="0" y="0"/>
+          <a:ext cx="0" cy="0"/>
+          <a:chOff x="0" y="0"/>
+          <a:chExt cx="0" cy="0"/>
+        </a:xfrm>
+      </p:grpSpPr>
+      <p:sp>
+        <p:nvSpPr>
+          <p:cNvPr id="2" name="Titre 1"/>
+          <p:cNvSpPr>
+            <a:spLocks noGrp="1"/>
+          </p:cNvSpPr>
+          <p:nvPr>
+            <p:ph type="title"/>
+          </p:nvPr>
+        </p:nvSpPr>
+        <p:spPr/>
+        <p:txBody>
+          <a:bodyPr/>
+          <a:lstStyle/>
+          <a:p>
+            <a:r>
+              <a:rPr lang="fr-FR" dirty="0" err="1" smtClean="0"/>
+              <a:t>Isolating</a:t>
+            </a:r>
+            <a:r>
+              <a:rPr lang="fr-FR" dirty="0" smtClean="0"/>
+              <a:t> scope</a:t>
+            </a:r>
+            <a:endParaRPr lang="fr-FR" dirty="0"/>
+          </a:p>
+        </p:txBody>
+      </p:sp>
+      <p:sp>
+        <p:nvSpPr>
+          <p:cNvPr id="3" name="Espace réservé du pied de page 2"/>
+          <p:cNvSpPr>
+            <a:spLocks noGrp="1"/>
+          </p:cNvSpPr>
+          <p:nvPr>
+            <p:ph type="ftr" sz="quarter" idx="11"/>
+          </p:nvPr>
+        </p:nvSpPr>
+        <p:spPr/>
+        <p:txBody>
+          <a:bodyPr/>
+          <a:lstStyle/>
+          <a:p>
+            <a:r>
+              <a:rPr lang="fr-FR" dirty="0" smtClean="0"/>
+              <a:t>Nom de la présentation</a:t>
+            </a:r>
+            <a:endParaRPr lang="fr-FR" dirty="0"/>
+          </a:p>
+        </p:txBody>
+      </p:sp>
+      <p:sp>
+        <p:nvSpPr>
+          <p:cNvPr id="4" name="Espace réservé du numéro de diapositive 3"/>
+          <p:cNvSpPr>
+            <a:spLocks noGrp="1"/>
+          </p:cNvSpPr>
+          <p:nvPr>
+            <p:ph type="sldNum" sz="quarter" idx="12"/>
+          </p:nvPr>
+        </p:nvSpPr>
+        <p:spPr/>
+        <p:txBody>
+          <a:bodyPr/>
+          <a:lstStyle/>
+          <a:p>
+            <a:fld id="{AF43E6FD-AB27-4108-A2FC-346BB5F75E3F}" type="slidenum">
+              <a:rPr lang="fr-FR" smtClean="0"/>
+              <a:pPr/>
+              <a:t>8</a:t>
             </a:fld>
             <a:endParaRPr lang="fr-FR" dirty="0"/>
           </a:p>
@@ -12971,7 +14563,7 @@
 </p:sld>
 </file>
 
-<file path=ppt/slides/slide8.xml><?xml version="1.0" encoding="utf-8"?>
+<file path=ppt/slides/slide9.xml><?xml version="1.0" encoding="utf-8"?>
 <p:sld xmlns:a="http://schemas.openxmlformats.org/drawingml/2006/main" xmlns:r="http://schemas.openxmlformats.org/officeDocument/2006/relationships" xmlns:p="http://schemas.openxmlformats.org/presentationml/2006/main">
   <p:cSld>
     <p:spTree>
@@ -13056,7 +14648,7 @@
             <a:fld id="{AF43E6FD-AB27-4108-A2FC-346BB5F75E3F}" type="slidenum">
               <a:rPr lang="fr-FR" smtClean="0"/>
               <a:pPr/>
-              <a:t>8</a:t>
+              <a:t>9</a:t>
             </a:fld>
             <a:endParaRPr lang="fr-FR" dirty="0"/>
           </a:p>
@@ -13351,348 +14943,6 @@
     <p:extLst>
       <p:ext uri="{BB962C8B-B14F-4D97-AF65-F5344CB8AC3E}">
         <p14:creationId xmlns:p14="http://schemas.microsoft.com/office/powerpoint/2010/main" val="2375043288"/>
-      </p:ext>
-    </p:extLst>
-  </p:cSld>
-  <p:clrMapOvr>
-    <a:masterClrMapping/>
-  </p:clrMapOvr>
-</p:sld>
-</file>
-
-<file path=ppt/slides/slide9.xml><?xml version="1.0" encoding="utf-8"?>
-<p:sld xmlns:a="http://schemas.openxmlformats.org/drawingml/2006/main" xmlns:r="http://schemas.openxmlformats.org/officeDocument/2006/relationships" xmlns:p="http://schemas.openxmlformats.org/presentationml/2006/main">
-  <p:cSld>
-    <p:spTree>
-      <p:nvGrpSpPr>
-        <p:cNvPr id="1" name=""/>
-        <p:cNvGrpSpPr/>
-        <p:nvPr/>
-      </p:nvGrpSpPr>
-      <p:grpSpPr>
-        <a:xfrm>
-          <a:off x="0" y="0"/>
-          <a:ext cx="0" cy="0"/>
-          <a:chOff x="0" y="0"/>
-          <a:chExt cx="0" cy="0"/>
-        </a:xfrm>
-      </p:grpSpPr>
-      <p:sp>
-        <p:nvSpPr>
-          <p:cNvPr id="2" name="Titre 1"/>
-          <p:cNvSpPr>
-            <a:spLocks noGrp="1"/>
-          </p:cNvSpPr>
-          <p:nvPr>
-            <p:ph type="title"/>
-          </p:nvPr>
-        </p:nvSpPr>
-        <p:spPr/>
-        <p:txBody>
-          <a:bodyPr/>
-          <a:lstStyle/>
-          <a:p>
-            <a:r>
-              <a:rPr lang="fr-FR" dirty="0" err="1" smtClean="0"/>
-              <a:t>Isolating</a:t>
-            </a:r>
-            <a:r>
-              <a:rPr lang="fr-FR" dirty="0" smtClean="0"/>
-              <a:t> scope</a:t>
-            </a:r>
-            <a:endParaRPr lang="fr-FR" dirty="0"/>
-          </a:p>
-        </p:txBody>
-      </p:sp>
-      <p:sp>
-        <p:nvSpPr>
-          <p:cNvPr id="3" name="Espace réservé du pied de page 2"/>
-          <p:cNvSpPr>
-            <a:spLocks noGrp="1"/>
-          </p:cNvSpPr>
-          <p:nvPr>
-            <p:ph type="ftr" sz="quarter" idx="11"/>
-          </p:nvPr>
-        </p:nvSpPr>
-        <p:spPr/>
-        <p:txBody>
-          <a:bodyPr/>
-          <a:lstStyle/>
-          <a:p>
-            <a:r>
-              <a:rPr lang="fr-FR" dirty="0" smtClean="0"/>
-              <a:t>Nom de la présentation</a:t>
-            </a:r>
-            <a:endParaRPr lang="fr-FR" dirty="0"/>
-          </a:p>
-        </p:txBody>
-      </p:sp>
-      <p:sp>
-        <p:nvSpPr>
-          <p:cNvPr id="4" name="Espace réservé du numéro de diapositive 3"/>
-          <p:cNvSpPr>
-            <a:spLocks noGrp="1"/>
-          </p:cNvSpPr>
-          <p:nvPr>
-            <p:ph type="sldNum" sz="quarter" idx="12"/>
-          </p:nvPr>
-        </p:nvSpPr>
-        <p:spPr/>
-        <p:txBody>
-          <a:bodyPr/>
-          <a:lstStyle/>
-          <a:p>
-            <a:fld id="{AF43E6FD-AB27-4108-A2FC-346BB5F75E3F}" type="slidenum">
-              <a:rPr lang="fr-FR" smtClean="0"/>
-              <a:pPr/>
-              <a:t>9</a:t>
-            </a:fld>
-            <a:endParaRPr lang="fr-FR" dirty="0"/>
-          </a:p>
-        </p:txBody>
-      </p:sp>
-      <p:sp>
-        <p:nvSpPr>
-          <p:cNvPr id="5" name="Espace réservé du contenu 4"/>
-          <p:cNvSpPr>
-            <a:spLocks noGrp="1"/>
-          </p:cNvSpPr>
-          <p:nvPr>
-            <p:ph sz="quarter" idx="13"/>
-          </p:nvPr>
-        </p:nvSpPr>
-        <p:spPr/>
-        <p:txBody>
-          <a:bodyPr/>
-          <a:lstStyle/>
-          <a:p>
-            <a:pPr marL="0" indent="0">
-              <a:buNone/>
-            </a:pPr>
-            <a:endParaRPr lang="fr-FR" dirty="0"/>
-          </a:p>
-        </p:txBody>
-      </p:sp>
-      <p:pic>
-        <p:nvPicPr>
-          <p:cNvPr id="6" name="Image 5"/>
-          <p:cNvPicPr>
-            <a:picLocks noChangeAspect="1"/>
-          </p:cNvPicPr>
-          <p:nvPr/>
-        </p:nvPicPr>
-        <p:blipFill>
-          <a:blip r:embed="rId2">
-            <a:extLst>
-              <a:ext uri="{28A0092B-C50C-407E-A947-70E740481C1C}">
-                <a14:useLocalDpi xmlns:a14="http://schemas.microsoft.com/office/drawing/2010/main" val="0"/>
-              </a:ext>
-            </a:extLst>
-          </a:blip>
-          <a:stretch>
-            <a:fillRect/>
-          </a:stretch>
-        </p:blipFill>
-        <p:spPr>
-          <a:xfrm>
-            <a:off x="270243" y="1265840"/>
-            <a:ext cx="5802428" cy="3335809"/>
-          </a:xfrm>
-          <a:prstGeom prst="rect">
-            <a:avLst/>
-          </a:prstGeom>
-        </p:spPr>
-      </p:pic>
-      <p:pic>
-        <p:nvPicPr>
-          <p:cNvPr id="7" name="Image 6"/>
-          <p:cNvPicPr>
-            <a:picLocks noChangeAspect="1"/>
-          </p:cNvPicPr>
-          <p:nvPr/>
-        </p:nvPicPr>
-        <p:blipFill>
-          <a:blip r:embed="rId3">
-            <a:extLst>
-              <a:ext uri="{28A0092B-C50C-407E-A947-70E740481C1C}">
-                <a14:useLocalDpi xmlns:a14="http://schemas.microsoft.com/office/drawing/2010/main" val="0"/>
-              </a:ext>
-            </a:extLst>
-          </a:blip>
-          <a:stretch>
-            <a:fillRect/>
-          </a:stretch>
-        </p:blipFill>
-        <p:spPr>
-          <a:xfrm>
-            <a:off x="5191386" y="2749581"/>
-            <a:ext cx="3858650" cy="1420362"/>
-          </a:xfrm>
-          <a:prstGeom prst="rect">
-            <a:avLst/>
-          </a:prstGeom>
-        </p:spPr>
-      </p:pic>
-      <p:pic>
-        <p:nvPicPr>
-          <p:cNvPr id="8" name="Image 7"/>
-          <p:cNvPicPr>
-            <a:picLocks noChangeAspect="1"/>
-          </p:cNvPicPr>
-          <p:nvPr/>
-        </p:nvPicPr>
-        <p:blipFill>
-          <a:blip r:embed="rId4">
-            <a:extLst>
-              <a:ext uri="{28A0092B-C50C-407E-A947-70E740481C1C}">
-                <a14:useLocalDpi xmlns:a14="http://schemas.microsoft.com/office/drawing/2010/main" val="0"/>
-              </a:ext>
-            </a:extLst>
-          </a:blip>
-          <a:stretch>
-            <a:fillRect/>
-          </a:stretch>
-        </p:blipFill>
-        <p:spPr>
-          <a:xfrm>
-            <a:off x="270243" y="5159475"/>
-            <a:ext cx="5108772" cy="509769"/>
-          </a:xfrm>
-          <a:prstGeom prst="rect">
-            <a:avLst/>
-          </a:prstGeom>
-        </p:spPr>
-      </p:pic>
-      <p:sp>
-        <p:nvSpPr>
-          <p:cNvPr id="9" name="Rectangle 8"/>
-          <p:cNvSpPr/>
-          <p:nvPr/>
-        </p:nvSpPr>
-        <p:spPr>
-          <a:xfrm>
-            <a:off x="5017254" y="4373506"/>
-            <a:ext cx="1055417" cy="333172"/>
-          </a:xfrm>
-          <a:prstGeom prst="rect">
-            <a:avLst/>
-          </a:prstGeom>
-          <a:ln/>
-        </p:spPr>
-        <p:style>
-          <a:lnRef idx="2">
-            <a:schemeClr val="accent6"/>
-          </a:lnRef>
-          <a:fillRef idx="1">
-            <a:schemeClr val="lt1"/>
-          </a:fillRef>
-          <a:effectRef idx="0">
-            <a:schemeClr val="accent6"/>
-          </a:effectRef>
-          <a:fontRef idx="minor">
-            <a:schemeClr val="dk1"/>
-          </a:fontRef>
-        </p:style>
-        <p:txBody>
-          <a:bodyPr rtlCol="0" anchor="ctr"/>
-          <a:lstStyle/>
-          <a:p>
-            <a:pPr algn="ctr"/>
-            <a:r>
-              <a:rPr lang="fr-FR" sz="1400" dirty="0" smtClean="0"/>
-              <a:t>script.js</a:t>
-            </a:r>
-          </a:p>
-        </p:txBody>
-      </p:sp>
-      <p:sp>
-        <p:nvSpPr>
-          <p:cNvPr id="10" name="Rectangle 9"/>
-          <p:cNvSpPr/>
-          <p:nvPr/>
-        </p:nvSpPr>
-        <p:spPr>
-          <a:xfrm>
-            <a:off x="7936954" y="3886038"/>
-            <a:ext cx="1055417" cy="333172"/>
-          </a:xfrm>
-          <a:prstGeom prst="rect">
-            <a:avLst/>
-          </a:prstGeom>
-          <a:ln/>
-        </p:spPr>
-        <p:style>
-          <a:lnRef idx="2">
-            <a:schemeClr val="accent6"/>
-          </a:lnRef>
-          <a:fillRef idx="1">
-            <a:schemeClr val="lt1"/>
-          </a:fillRef>
-          <a:effectRef idx="0">
-            <a:schemeClr val="accent6"/>
-          </a:effectRef>
-          <a:fontRef idx="minor">
-            <a:schemeClr val="dk1"/>
-          </a:fontRef>
-        </p:style>
-        <p:txBody>
-          <a:bodyPr rtlCol="0" anchor="ctr"/>
-          <a:lstStyle/>
-          <a:p>
-            <a:pPr algn="ctr"/>
-            <a:r>
-              <a:rPr lang="fr-FR" sz="1400" dirty="0" smtClean="0"/>
-              <a:t>index.html</a:t>
-            </a:r>
-          </a:p>
-        </p:txBody>
-      </p:sp>
-      <p:sp>
-        <p:nvSpPr>
-          <p:cNvPr id="11" name="Rectangle 10"/>
-          <p:cNvSpPr/>
-          <p:nvPr/>
-        </p:nvSpPr>
-        <p:spPr>
-          <a:xfrm>
-            <a:off x="4242808" y="5554545"/>
-            <a:ext cx="2026187" cy="333172"/>
-          </a:xfrm>
-          <a:prstGeom prst="rect">
-            <a:avLst/>
-          </a:prstGeom>
-          <a:ln/>
-        </p:spPr>
-        <p:style>
-          <a:lnRef idx="2">
-            <a:schemeClr val="accent6"/>
-          </a:lnRef>
-          <a:fillRef idx="1">
-            <a:schemeClr val="lt1"/>
-          </a:fillRef>
-          <a:effectRef idx="0">
-            <a:schemeClr val="accent6"/>
-          </a:effectRef>
-          <a:fontRef idx="minor">
-            <a:schemeClr val="dk1"/>
-          </a:fontRef>
-        </p:style>
-        <p:txBody>
-          <a:bodyPr rtlCol="0" anchor="ctr"/>
-          <a:lstStyle/>
-          <a:p>
-            <a:pPr algn="ctr"/>
-            <a:r>
-              <a:rPr lang="fr-FR" sz="1400" dirty="0" smtClean="0"/>
-              <a:t>my-customer-iso.html</a:t>
-            </a:r>
-          </a:p>
-        </p:txBody>
-      </p:sp>
-    </p:spTree>
-    <p:extLst>
-      <p:ext uri="{BB962C8B-B14F-4D97-AF65-F5344CB8AC3E}">
-        <p14:creationId xmlns:p14="http://schemas.microsoft.com/office/powerpoint/2010/main" val="1219051826"/>
       </p:ext>
     </p:extLst>
   </p:cSld>

--- a/Jour2/11 custom directives & components/11_custom directives.pptx
+++ b/Jour2/11 custom directives & components/11_custom directives.pptx
@@ -5,10 +5,10 @@
     <p:sldMasterId id="2147483648" r:id="rId1"/>
   </p:sldMasterIdLst>
   <p:notesMasterIdLst>
-    <p:notesMasterId r:id="rId20"/>
+    <p:notesMasterId r:id="rId19"/>
   </p:notesMasterIdLst>
   <p:handoutMasterIdLst>
-    <p:handoutMasterId r:id="rId21"/>
+    <p:handoutMasterId r:id="rId20"/>
   </p:handoutMasterIdLst>
   <p:sldIdLst>
     <p:sldId id="410" r:id="rId2"/>
@@ -28,7 +28,6 @@
     <p:sldId id="424" r:id="rId16"/>
     <p:sldId id="423" r:id="rId17"/>
     <p:sldId id="425" r:id="rId18"/>
-    <p:sldId id="427" r:id="rId19"/>
   </p:sldIdLst>
   <p:sldSz cx="9144000" cy="6858000" type="screen4x3"/>
   <p:notesSz cx="7104063" cy="10234613"/>
@@ -149,7 +148,6 @@
             <p14:sldId id="424"/>
             <p14:sldId id="423"/>
             <p14:sldId id="425"/>
-            <p14:sldId id="427"/>
           </p14:sldIdLst>
         </p14:section>
       </p14:sectionLst>
@@ -325,7 +323,7 @@
             <a:fld id="{87731427-D242-475D-9180-8940013A50B8}" type="datetimeFigureOut">
               <a:rPr lang="en-GB" smtClean="0"/>
               <a:pPr algn="l"/>
-              <a:t>20/11/2016</a:t>
+              <a:t>21/11/2016</a:t>
             </a:fld>
             <a:endParaRPr lang="en-GB" dirty="0"/>
           </a:p>
@@ -530,7 +528,7 @@
             <a:fld id="{BA521D56-F1F4-41A0-82EB-989F4F6F400D}" type="datetimeFigureOut">
               <a:rPr lang="fr-FR" smtClean="0"/>
               <a:pPr/>
-              <a:t>20/11/2016</a:t>
+              <a:t>21/11/2016</a:t>
             </a:fld>
             <a:endParaRPr lang="fr-FR"/>
           </a:p>
@@ -10338,11 +10336,11 @@
             </a:r>
             <a:r>
               <a:rPr lang="en-US" dirty="0" smtClean="0"/>
-              <a:t>signature: </a:t>
-            </a:r>
-          </a:p>
-          <a:p>
-            <a:pPr lvl="1">
+              <a:t>signature :</a:t>
+            </a:r>
+          </a:p>
+          <a:p>
+            <a:pPr>
               <a:buFont typeface="Arial" panose="020B0604020202020204" pitchFamily="34" charset="0"/>
               <a:buChar char="•"/>
             </a:pPr>
@@ -10351,7 +10349,14 @@
                 <a:latin typeface="Courier New" panose="02070309020205020404" pitchFamily="49" charset="0"/>
                 <a:cs typeface="Courier New" panose="02070309020205020404" pitchFamily="49" charset="0"/>
               </a:rPr>
-              <a:t>function link(scope, element, </a:t>
+              <a:t>function </a:t>
+            </a:r>
+            <a:r>
+              <a:rPr lang="en-US" b="1" dirty="0" smtClean="0">
+                <a:latin typeface="Courier New" panose="02070309020205020404" pitchFamily="49" charset="0"/>
+                <a:cs typeface="Courier New" panose="02070309020205020404" pitchFamily="49" charset="0"/>
+              </a:rPr>
+              <a:t>link(scope, element, </a:t>
             </a:r>
             <a:r>
               <a:rPr lang="en-US" b="1" dirty="0" err="1" smtClean="0">
@@ -11105,19 +11110,19 @@
             </a:r>
             <a:r>
               <a:rPr lang="fr-FR" dirty="0"/>
-              <a:t> Directives </a:t>
-            </a:r>
-            <a:r>
-              <a:rPr lang="fr-FR" dirty="0" err="1"/>
-              <a:t>that</a:t>
+              <a:t> </a:t>
+            </a:r>
+            <a:r>
+              <a:rPr lang="fr-FR" dirty="0" err="1" smtClean="0"/>
+              <a:t>nested</a:t>
             </a:r>
             <a:r>
               <a:rPr lang="fr-FR" dirty="0"/>
               <a:t> </a:t>
             </a:r>
             <a:r>
-              <a:rPr lang="fr-FR" dirty="0" err="1"/>
-              <a:t>Communicate</a:t>
+              <a:rPr lang="fr-FR" dirty="0" smtClean="0"/>
+              <a:t>directives</a:t>
             </a:r>
             <a:endParaRPr lang="fr-FR" dirty="0"/>
           </a:p>
@@ -11662,80 +11667,16 @@
           </a:p>
           <a:p>
             <a:r>
-              <a:rPr lang="en-US" dirty="0" smtClean="0"/>
-              <a:t>$</a:t>
-            </a:r>
-            <a:r>
-              <a:rPr lang="en-US" dirty="0"/>
-              <a:t>compile will throw an error unless the specified controller is </a:t>
-            </a:r>
-            <a:r>
-              <a:rPr lang="en-US" dirty="0" smtClean="0"/>
-              <a:t>found</a:t>
-            </a:r>
-          </a:p>
-          <a:p>
-            <a:pPr lvl="1"/>
-            <a:r>
-              <a:rPr lang="en-US" dirty="0" smtClean="0"/>
-              <a:t>^^ prefix: this </a:t>
-            </a:r>
-            <a:r>
-              <a:rPr lang="en-US" dirty="0"/>
-              <a:t>directive searches for the controller on its parents. </a:t>
-            </a:r>
-            <a:endParaRPr lang="en-US" dirty="0" smtClean="0"/>
-          </a:p>
-          <a:p>
-            <a:pPr lvl="1"/>
-            <a:r>
-              <a:rPr lang="en-US" dirty="0" smtClean="0"/>
-              <a:t>^ prefix: the directive </a:t>
-            </a:r>
-            <a:r>
-              <a:rPr lang="en-US" dirty="0"/>
-              <a:t>look for the controller on its own element or its </a:t>
-            </a:r>
-            <a:r>
-              <a:rPr lang="en-US" dirty="0" smtClean="0"/>
-              <a:t>parents</a:t>
-            </a:r>
-          </a:p>
-          <a:p>
-            <a:pPr lvl="1"/>
-            <a:r>
-              <a:rPr lang="en-US" dirty="0" smtClean="0"/>
-              <a:t>without </a:t>
-            </a:r>
-            <a:r>
-              <a:rPr lang="en-US" dirty="0"/>
-              <a:t>any </a:t>
-            </a:r>
-            <a:r>
-              <a:rPr lang="en-US" dirty="0" smtClean="0"/>
-              <a:t>prefix: </a:t>
-            </a:r>
-            <a:r>
-              <a:rPr lang="en-US" dirty="0"/>
-              <a:t>the directive would look on its own </a:t>
-            </a:r>
-            <a:r>
-              <a:rPr lang="en-US" dirty="0" err="1" smtClean="0"/>
-              <a:t>eement</a:t>
-            </a:r>
-            <a:r>
-              <a:rPr lang="en-US" dirty="0" smtClean="0"/>
-              <a:t> only</a:t>
-            </a:r>
-          </a:p>
-          <a:p>
-            <a:r>
               <a:rPr lang="fr-FR" dirty="0" err="1" smtClean="0"/>
               <a:t>myTabs</a:t>
             </a:r>
             <a:r>
               <a:rPr lang="fr-FR" dirty="0" smtClean="0"/>
-              <a:t> directive use a custom </a:t>
+              <a:t> </a:t>
+            </a:r>
+            <a:r>
+              <a:rPr lang="fr-FR" dirty="0" smtClean="0"/>
+              <a:t>directive use a custom </a:t>
             </a:r>
             <a:r>
               <a:rPr lang="fr-FR" dirty="0" err="1" smtClean="0"/>
@@ -11770,7 +11711,7 @@
         </p:blipFill>
         <p:spPr>
           <a:xfrm>
-            <a:off x="2015223" y="3965124"/>
+            <a:off x="1921219" y="2751621"/>
             <a:ext cx="4238625" cy="2776152"/>
           </a:xfrm>
           <a:prstGeom prst="rect">
@@ -11782,277 +11723,6 @@
     <p:extLst>
       <p:ext uri="{BB962C8B-B14F-4D97-AF65-F5344CB8AC3E}">
         <p14:creationId xmlns:p14="http://schemas.microsoft.com/office/powerpoint/2010/main" val="3287670492"/>
-      </p:ext>
-    </p:extLst>
-  </p:cSld>
-  <p:clrMapOvr>
-    <a:masterClrMapping/>
-  </p:clrMapOvr>
-</p:sld>
-</file>
-
-<file path=ppt/slides/slide18.xml><?xml version="1.0" encoding="utf-8"?>
-<p:sld xmlns:a="http://schemas.openxmlformats.org/drawingml/2006/main" xmlns:r="http://schemas.openxmlformats.org/officeDocument/2006/relationships" xmlns:p="http://schemas.openxmlformats.org/presentationml/2006/main">
-  <p:cSld>
-    <p:spTree>
-      <p:nvGrpSpPr>
-        <p:cNvPr id="1" name=""/>
-        <p:cNvGrpSpPr/>
-        <p:nvPr/>
-      </p:nvGrpSpPr>
-      <p:grpSpPr>
-        <a:xfrm>
-          <a:off x="0" y="0"/>
-          <a:ext cx="0" cy="0"/>
-          <a:chOff x="0" y="0"/>
-          <a:chExt cx="0" cy="0"/>
-        </a:xfrm>
-      </p:grpSpPr>
-      <p:sp>
-        <p:nvSpPr>
-          <p:cNvPr id="2" name="Titre 1"/>
-          <p:cNvSpPr>
-            <a:spLocks noGrp="1"/>
-          </p:cNvSpPr>
-          <p:nvPr>
-            <p:ph type="title"/>
-          </p:nvPr>
-        </p:nvSpPr>
-        <p:spPr/>
-        <p:txBody>
-          <a:bodyPr/>
-          <a:lstStyle/>
-          <a:p>
-            <a:r>
-              <a:rPr lang="fr-FR" dirty="0" err="1"/>
-              <a:t>Creating</a:t>
-            </a:r>
-            <a:r>
-              <a:rPr lang="fr-FR" dirty="0"/>
-              <a:t> Directives </a:t>
-            </a:r>
-            <a:r>
-              <a:rPr lang="fr-FR" dirty="0" err="1"/>
-              <a:t>that</a:t>
-            </a:r>
-            <a:r>
-              <a:rPr lang="fr-FR" dirty="0"/>
-              <a:t> </a:t>
-            </a:r>
-            <a:r>
-              <a:rPr lang="fr-FR" dirty="0" err="1"/>
-              <a:t>Communicate</a:t>
-            </a:r>
-            <a:endParaRPr lang="fr-FR" dirty="0"/>
-          </a:p>
-        </p:txBody>
-      </p:sp>
-      <p:sp>
-        <p:nvSpPr>
-          <p:cNvPr id="3" name="Espace réservé du pied de page 2"/>
-          <p:cNvSpPr>
-            <a:spLocks noGrp="1"/>
-          </p:cNvSpPr>
-          <p:nvPr>
-            <p:ph type="ftr" sz="quarter" idx="11"/>
-          </p:nvPr>
-        </p:nvSpPr>
-        <p:spPr/>
-        <p:txBody>
-          <a:bodyPr/>
-          <a:lstStyle/>
-          <a:p>
-            <a:r>
-              <a:rPr lang="fr-FR" smtClean="0"/>
-              <a:t>Nom de la présentation</a:t>
-            </a:r>
-            <a:endParaRPr lang="fr-FR" dirty="0"/>
-          </a:p>
-        </p:txBody>
-      </p:sp>
-      <p:sp>
-        <p:nvSpPr>
-          <p:cNvPr id="4" name="Espace réservé du numéro de diapositive 3"/>
-          <p:cNvSpPr>
-            <a:spLocks noGrp="1"/>
-          </p:cNvSpPr>
-          <p:nvPr>
-            <p:ph type="sldNum" sz="quarter" idx="12"/>
-          </p:nvPr>
-        </p:nvSpPr>
-        <p:spPr/>
-        <p:txBody>
-          <a:bodyPr/>
-          <a:lstStyle/>
-          <a:p>
-            <a:fld id="{AF43E6FD-AB27-4108-A2FC-346BB5F75E3F}" type="slidenum">
-              <a:rPr lang="fr-FR" smtClean="0"/>
-              <a:pPr/>
-              <a:t>18</a:t>
-            </a:fld>
-            <a:endParaRPr lang="fr-FR" dirty="0"/>
-          </a:p>
-        </p:txBody>
-      </p:sp>
-      <p:sp>
-        <p:nvSpPr>
-          <p:cNvPr id="5" name="Espace réservé du contenu 4"/>
-          <p:cNvSpPr>
-            <a:spLocks noGrp="1"/>
-          </p:cNvSpPr>
-          <p:nvPr>
-            <p:ph sz="quarter" idx="13"/>
-          </p:nvPr>
-        </p:nvSpPr>
-        <p:spPr/>
-        <p:txBody>
-          <a:bodyPr/>
-          <a:lstStyle/>
-          <a:p>
-            <a:r>
-              <a:rPr lang="en-US" dirty="0"/>
-              <a:t>The </a:t>
-            </a:r>
-            <a:r>
-              <a:rPr lang="en-US" dirty="0" err="1"/>
-              <a:t>myPane</a:t>
-            </a:r>
-            <a:r>
-              <a:rPr lang="en-US" dirty="0"/>
-              <a:t> directive has a require option with value ^^</a:t>
-            </a:r>
-            <a:r>
-              <a:rPr lang="en-US" dirty="0" err="1"/>
-              <a:t>myTabs</a:t>
-            </a:r>
-            <a:r>
-              <a:rPr lang="en-US" dirty="0"/>
-              <a:t>. </a:t>
-            </a:r>
-            <a:endParaRPr lang="en-US" dirty="0" smtClean="0"/>
-          </a:p>
-          <a:p>
-            <a:r>
-              <a:rPr lang="en-US" dirty="0" smtClean="0"/>
-              <a:t>$</a:t>
-            </a:r>
-            <a:r>
-              <a:rPr lang="en-US" dirty="0"/>
-              <a:t>compile will throw an error unless the specified controller is </a:t>
-            </a:r>
-            <a:r>
-              <a:rPr lang="en-US" dirty="0" smtClean="0"/>
-              <a:t>found</a:t>
-            </a:r>
-          </a:p>
-          <a:p>
-            <a:pPr lvl="1"/>
-            <a:r>
-              <a:rPr lang="en-US" dirty="0" smtClean="0"/>
-              <a:t>^^ prefix: this </a:t>
-            </a:r>
-            <a:r>
-              <a:rPr lang="en-US" dirty="0"/>
-              <a:t>directive searches for the controller on its parents. </a:t>
-            </a:r>
-            <a:endParaRPr lang="en-US" dirty="0" smtClean="0"/>
-          </a:p>
-          <a:p>
-            <a:pPr lvl="1"/>
-            <a:r>
-              <a:rPr lang="en-US" dirty="0" smtClean="0"/>
-              <a:t>^ prefix: the directive </a:t>
-            </a:r>
-            <a:r>
-              <a:rPr lang="en-US" dirty="0"/>
-              <a:t>look for the controller on its own element or its </a:t>
-            </a:r>
-            <a:r>
-              <a:rPr lang="en-US" dirty="0" smtClean="0"/>
-              <a:t>parents</a:t>
-            </a:r>
-          </a:p>
-          <a:p>
-            <a:pPr lvl="1"/>
-            <a:r>
-              <a:rPr lang="en-US" dirty="0" smtClean="0"/>
-              <a:t>without </a:t>
-            </a:r>
-            <a:r>
-              <a:rPr lang="en-US" dirty="0"/>
-              <a:t>any </a:t>
-            </a:r>
-            <a:r>
-              <a:rPr lang="en-US" dirty="0" smtClean="0"/>
-              <a:t>prefix: </a:t>
-            </a:r>
-            <a:r>
-              <a:rPr lang="en-US" dirty="0"/>
-              <a:t>the directive would look on its own </a:t>
-            </a:r>
-            <a:r>
-              <a:rPr lang="en-US" dirty="0" err="1" smtClean="0"/>
-              <a:t>eement</a:t>
-            </a:r>
-            <a:r>
-              <a:rPr lang="en-US" dirty="0" smtClean="0"/>
-              <a:t> only</a:t>
-            </a:r>
-          </a:p>
-          <a:p>
-            <a:r>
-              <a:rPr lang="fr-FR" dirty="0" err="1" smtClean="0"/>
-              <a:t>myTabs</a:t>
-            </a:r>
-            <a:r>
-              <a:rPr lang="fr-FR" dirty="0" smtClean="0"/>
-              <a:t> directive use a custom </a:t>
-            </a:r>
-            <a:r>
-              <a:rPr lang="fr-FR" dirty="0" err="1" smtClean="0"/>
-              <a:t>controller</a:t>
-            </a:r>
-            <a:r>
-              <a:rPr lang="fr-FR" dirty="0" smtClean="0"/>
-              <a:t>!</a:t>
-            </a:r>
-            <a:endParaRPr lang="fr-FR" dirty="0"/>
-          </a:p>
-        </p:txBody>
-      </p:sp>
-      <p:pic>
-        <p:nvPicPr>
-          <p:cNvPr id="7" name="Image 6"/>
-          <p:cNvPicPr>
-            <a:picLocks noChangeAspect="1"/>
-          </p:cNvPicPr>
-          <p:nvPr/>
-        </p:nvPicPr>
-        <p:blipFill rotWithShape="1">
-          <a:blip r:embed="rId2">
-            <a:extLst>
-              <a:ext uri="{28A0092B-C50C-407E-A947-70E740481C1C}">
-                <a14:useLocalDpi xmlns:a14="http://schemas.microsoft.com/office/drawing/2010/main" val="0"/>
-              </a:ext>
-            </a:extLst>
-          </a:blip>
-          <a:srcRect t="14888" b="5912"/>
-          <a:stretch/>
-        </p:blipFill>
-        <p:spPr>
-          <a:xfrm>
-            <a:off x="2015223" y="3965124"/>
-            <a:ext cx="4238625" cy="2776152"/>
-          </a:xfrm>
-          <a:prstGeom prst="rect">
-            <a:avLst/>
-          </a:prstGeom>
-        </p:spPr>
-      </p:pic>
-    </p:spTree>
-    <p:extLst>
-      <p:ext uri="{BB962C8B-B14F-4D97-AF65-F5344CB8AC3E}">
-        <p14:creationId xmlns:p14="http://schemas.microsoft.com/office/powerpoint/2010/main" val="4191315043"/>
       </p:ext>
     </p:extLst>
   </p:cSld>
